--- a/Phase4docs/Phase 4 Presentation.pptx
+++ b/Phase4docs/Phase 4 Presentation.pptx
@@ -8,12 +8,13 @@
     <p:sldId id="256" r:id="rId2"/>
     <p:sldId id="257" r:id="rId3"/>
     <p:sldId id="258" r:id="rId4"/>
-    <p:sldId id="259" r:id="rId5"/>
-    <p:sldId id="260" r:id="rId6"/>
-    <p:sldId id="261" r:id="rId7"/>
-    <p:sldId id="262" r:id="rId8"/>
-    <p:sldId id="263" r:id="rId9"/>
-    <p:sldId id="264" r:id="rId10"/>
+    <p:sldId id="265" r:id="rId5"/>
+    <p:sldId id="259" r:id="rId6"/>
+    <p:sldId id="260" r:id="rId7"/>
+    <p:sldId id="261" r:id="rId8"/>
+    <p:sldId id="262" r:id="rId9"/>
+    <p:sldId id="263" r:id="rId10"/>
+    <p:sldId id="264" r:id="rId11"/>
   </p:sldIdLst>
   <p:sldSz cx="12192000" cy="6858000"/>
   <p:notesSz cx="6858000" cy="9144000"/>
@@ -112,6 +113,11 @@
       </a:defRPr>
     </a:lvl9pPr>
   </p:defaultTextStyle>
+  <p:extLst>
+    <p:ext uri="{EFAFB233-063F-42B5-8137-9DF3F51BA10A}">
+      <p15:sldGuideLst xmlns:p15="http://schemas.microsoft.com/office/powerpoint/2012/main"/>
+    </p:ext>
+  </p:extLst>
 </p:presentation>
 </file>
 
@@ -6163,6 +6169,1018 @@
 </p:sld>
 </file>
 
+<file path=ppt/slides/slide10.xml><?xml version="1.0" encoding="utf-8"?>
+<p:sld xmlns:a="http://schemas.openxmlformats.org/drawingml/2006/main" xmlns:r="http://schemas.openxmlformats.org/officeDocument/2006/relationships" xmlns:p="http://schemas.openxmlformats.org/presentationml/2006/main">
+  <p:cSld>
+    <p:spTree>
+      <p:nvGrpSpPr>
+        <p:cNvPr id="1" name=""/>
+        <p:cNvGrpSpPr/>
+        <p:nvPr/>
+      </p:nvGrpSpPr>
+      <p:grpSpPr>
+        <a:xfrm>
+          <a:off x="0" y="0"/>
+          <a:ext cx="0" cy="0"/>
+          <a:chOff x="0" y="0"/>
+          <a:chExt cx="0" cy="0"/>
+        </a:xfrm>
+      </p:grpSpPr>
+      <p:sp>
+        <p:nvSpPr>
+          <p:cNvPr id="2" name="Title 1">
+            <a:extLst>
+              <a:ext uri="{FF2B5EF4-FFF2-40B4-BE49-F238E27FC236}">
+                <a16:creationId xmlns:a16="http://schemas.microsoft.com/office/drawing/2014/main" id="{897DCABE-5E71-4F29-AA52-3619D5CE8BE8}"/>
+              </a:ext>
+            </a:extLst>
+          </p:cNvPr>
+          <p:cNvSpPr>
+            <a:spLocks noGrp="1"/>
+          </p:cNvSpPr>
+          <p:nvPr>
+            <p:ph type="title"/>
+          </p:nvPr>
+        </p:nvSpPr>
+        <p:spPr/>
+        <p:txBody>
+          <a:bodyPr/>
+          <a:lstStyle/>
+          <a:p>
+            <a:r>
+              <a:rPr lang="en-US" dirty="0"/>
+              <a:t>Lessons Learned</a:t>
+            </a:r>
+          </a:p>
+        </p:txBody>
+      </p:sp>
+      <p:graphicFrame>
+        <p:nvGraphicFramePr>
+          <p:cNvPr id="4" name="Content Placeholder 3">
+            <a:extLst>
+              <a:ext uri="{FF2B5EF4-FFF2-40B4-BE49-F238E27FC236}">
+                <a16:creationId xmlns:a16="http://schemas.microsoft.com/office/drawing/2014/main" id="{A5EE9565-1F43-46DC-8175-67D8554CEBB2}"/>
+              </a:ext>
+            </a:extLst>
+          </p:cNvPr>
+          <p:cNvGraphicFramePr>
+            <a:graphicFrameLocks noGrp="1"/>
+          </p:cNvGraphicFramePr>
+          <p:nvPr>
+            <p:ph idx="1"/>
+            <p:extLst>
+              <p:ext uri="{D42A27DB-BD31-4B8C-83A1-F6EECF244321}">
+                <p14:modId xmlns:p14="http://schemas.microsoft.com/office/powerpoint/2010/main" val="2993080248"/>
+              </p:ext>
+            </p:extLst>
+          </p:nvPr>
+        </p:nvGraphicFramePr>
+        <p:xfrm>
+          <a:off x="2398644" y="1298713"/>
+          <a:ext cx="6771860" cy="5559288"/>
+        </p:xfrm>
+        <a:graphic>
+          <a:graphicData uri="http://schemas.openxmlformats.org/drawingml/2006/table">
+            <a:tbl>
+              <a:tblPr firstRow="1" firstCol="1" lastRow="1" lastCol="1" bandRow="1" bandCol="1">
+                <a:tableStyleId>{5C22544A-7EE6-4342-B048-85BDC9FD1C3A}</a:tableStyleId>
+              </a:tblPr>
+              <a:tblGrid>
+                <a:gridCol w="1009839">
+                  <a:extLst>
+                    <a:ext uri="{9D8B030D-6E8A-4147-A177-3AD203B41FA5}">
+                      <a16:colId xmlns:a16="http://schemas.microsoft.com/office/drawing/2014/main" val="2910355946"/>
+                    </a:ext>
+                  </a:extLst>
+                </a:gridCol>
+                <a:gridCol w="1069242">
+                  <a:extLst>
+                    <a:ext uri="{9D8B030D-6E8A-4147-A177-3AD203B41FA5}">
+                      <a16:colId xmlns:a16="http://schemas.microsoft.com/office/drawing/2014/main" val="275953785"/>
+                    </a:ext>
+                  </a:extLst>
+                </a:gridCol>
+                <a:gridCol w="1603861">
+                  <a:extLst>
+                    <a:ext uri="{9D8B030D-6E8A-4147-A177-3AD203B41FA5}">
+                      <a16:colId xmlns:a16="http://schemas.microsoft.com/office/drawing/2014/main" val="2927638086"/>
+                    </a:ext>
+                  </a:extLst>
+                </a:gridCol>
+                <a:gridCol w="1603861">
+                  <a:extLst>
+                    <a:ext uri="{9D8B030D-6E8A-4147-A177-3AD203B41FA5}">
+                      <a16:colId xmlns:a16="http://schemas.microsoft.com/office/drawing/2014/main" val="2562784813"/>
+                    </a:ext>
+                  </a:extLst>
+                </a:gridCol>
+                <a:gridCol w="1485057">
+                  <a:extLst>
+                    <a:ext uri="{9D8B030D-6E8A-4147-A177-3AD203B41FA5}">
+                      <a16:colId xmlns:a16="http://schemas.microsoft.com/office/drawing/2014/main" val="740924148"/>
+                    </a:ext>
+                  </a:extLst>
+                </a:gridCol>
+              </a:tblGrid>
+              <a:tr h="264728">
+                <a:tc>
+                  <a:txBody>
+                    <a:bodyPr/>
+                    <a:lstStyle/>
+                    <a:p>
+                      <a:pPr marL="0" marR="0">
+                        <a:spcBef>
+                          <a:spcPts val="0"/>
+                        </a:spcBef>
+                        <a:spcAft>
+                          <a:spcPts val="0"/>
+                        </a:spcAft>
+                      </a:pPr>
+                      <a:r>
+                        <a:rPr lang="en-US" sz="800">
+                          <a:effectLst/>
+                        </a:rPr>
+                        <a:t>Category</a:t>
+                      </a:r>
+                      <a:endParaRPr lang="en-US" sz="700">
+                        <a:effectLst/>
+                        <a:latin typeface="Times New Roman" panose="02020603050405020304" pitchFamily="18" charset="0"/>
+                        <a:ea typeface="Times New Roman" panose="02020603050405020304" pitchFamily="18" charset="0"/>
+                      </a:endParaRPr>
+                    </a:p>
+                  </a:txBody>
+                  <a:tcPr marL="44955" marR="44955" marT="0" marB="0"/>
+                </a:tc>
+                <a:tc>
+                  <a:txBody>
+                    <a:bodyPr/>
+                    <a:lstStyle/>
+                    <a:p>
+                      <a:pPr marL="0" marR="0">
+                        <a:spcBef>
+                          <a:spcPts val="0"/>
+                        </a:spcBef>
+                        <a:spcAft>
+                          <a:spcPts val="0"/>
+                        </a:spcAft>
+                      </a:pPr>
+                      <a:r>
+                        <a:rPr lang="en-US" sz="800">
+                          <a:effectLst/>
+                        </a:rPr>
+                        <a:t>Issue Name</a:t>
+                      </a:r>
+                      <a:endParaRPr lang="en-US" sz="700">
+                        <a:effectLst/>
+                        <a:latin typeface="Times New Roman" panose="02020603050405020304" pitchFamily="18" charset="0"/>
+                        <a:ea typeface="Times New Roman" panose="02020603050405020304" pitchFamily="18" charset="0"/>
+                      </a:endParaRPr>
+                    </a:p>
+                  </a:txBody>
+                  <a:tcPr marL="44955" marR="44955" marT="0" marB="0"/>
+                </a:tc>
+                <a:tc>
+                  <a:txBody>
+                    <a:bodyPr/>
+                    <a:lstStyle/>
+                    <a:p>
+                      <a:pPr marL="0" marR="0">
+                        <a:spcBef>
+                          <a:spcPts val="0"/>
+                        </a:spcBef>
+                        <a:spcAft>
+                          <a:spcPts val="0"/>
+                        </a:spcAft>
+                      </a:pPr>
+                      <a:r>
+                        <a:rPr lang="en-US" sz="800">
+                          <a:effectLst/>
+                        </a:rPr>
+                        <a:t>Problem/Success</a:t>
+                      </a:r>
+                      <a:endParaRPr lang="en-US" sz="700">
+                        <a:effectLst/>
+                        <a:latin typeface="Times New Roman" panose="02020603050405020304" pitchFamily="18" charset="0"/>
+                        <a:ea typeface="Times New Roman" panose="02020603050405020304" pitchFamily="18" charset="0"/>
+                      </a:endParaRPr>
+                    </a:p>
+                  </a:txBody>
+                  <a:tcPr marL="44955" marR="44955" marT="0" marB="0"/>
+                </a:tc>
+                <a:tc>
+                  <a:txBody>
+                    <a:bodyPr/>
+                    <a:lstStyle/>
+                    <a:p>
+                      <a:pPr marL="0" marR="0">
+                        <a:spcBef>
+                          <a:spcPts val="0"/>
+                        </a:spcBef>
+                        <a:spcAft>
+                          <a:spcPts val="0"/>
+                        </a:spcAft>
+                      </a:pPr>
+                      <a:r>
+                        <a:rPr lang="en-US" sz="800">
+                          <a:effectLst/>
+                        </a:rPr>
+                        <a:t>Impact</a:t>
+                      </a:r>
+                      <a:endParaRPr lang="en-US" sz="700">
+                        <a:effectLst/>
+                        <a:latin typeface="Times New Roman" panose="02020603050405020304" pitchFamily="18" charset="0"/>
+                        <a:ea typeface="Times New Roman" panose="02020603050405020304" pitchFamily="18" charset="0"/>
+                      </a:endParaRPr>
+                    </a:p>
+                  </a:txBody>
+                  <a:tcPr marL="44955" marR="44955" marT="0" marB="0"/>
+                </a:tc>
+                <a:tc>
+                  <a:txBody>
+                    <a:bodyPr/>
+                    <a:lstStyle/>
+                    <a:p>
+                      <a:pPr marL="0" marR="0">
+                        <a:spcBef>
+                          <a:spcPts val="0"/>
+                        </a:spcBef>
+                        <a:spcAft>
+                          <a:spcPts val="0"/>
+                        </a:spcAft>
+                      </a:pPr>
+                      <a:r>
+                        <a:rPr lang="en-US" sz="800">
+                          <a:effectLst/>
+                        </a:rPr>
+                        <a:t>Recommendation</a:t>
+                      </a:r>
+                      <a:endParaRPr lang="en-US" sz="700">
+                        <a:effectLst/>
+                        <a:latin typeface="Times New Roman" panose="02020603050405020304" pitchFamily="18" charset="0"/>
+                        <a:ea typeface="Times New Roman" panose="02020603050405020304" pitchFamily="18" charset="0"/>
+                      </a:endParaRPr>
+                    </a:p>
+                  </a:txBody>
+                  <a:tcPr marL="44955" marR="44955" marT="0" marB="0"/>
+                </a:tc>
+                <a:extLst>
+                  <a:ext uri="{0D108BD9-81ED-4DB2-BD59-A6C34878D82A}">
+                    <a16:rowId xmlns:a16="http://schemas.microsoft.com/office/drawing/2014/main" val="2307349854"/>
+                  </a:ext>
+                </a:extLst>
+              </a:tr>
+              <a:tr h="1985460">
+                <a:tc>
+                  <a:txBody>
+                    <a:bodyPr/>
+                    <a:lstStyle/>
+                    <a:p>
+                      <a:pPr marL="0" marR="0">
+                        <a:spcBef>
+                          <a:spcPts val="0"/>
+                        </a:spcBef>
+                        <a:spcAft>
+                          <a:spcPts val="0"/>
+                        </a:spcAft>
+                      </a:pPr>
+                      <a:r>
+                        <a:rPr lang="en-US" sz="800">
+                          <a:effectLst/>
+                        </a:rPr>
+                        <a:t>Scope</a:t>
+                      </a:r>
+                      <a:endParaRPr lang="en-US" sz="700">
+                        <a:effectLst/>
+                        <a:latin typeface="Times New Roman" panose="02020603050405020304" pitchFamily="18" charset="0"/>
+                        <a:ea typeface="Times New Roman" panose="02020603050405020304" pitchFamily="18" charset="0"/>
+                      </a:endParaRPr>
+                    </a:p>
+                  </a:txBody>
+                  <a:tcPr marL="44955" marR="44955" marT="0" marB="0"/>
+                </a:tc>
+                <a:tc>
+                  <a:txBody>
+                    <a:bodyPr/>
+                    <a:lstStyle/>
+                    <a:p>
+                      <a:pPr marL="0" marR="0">
+                        <a:spcBef>
+                          <a:spcPts val="0"/>
+                        </a:spcBef>
+                        <a:spcAft>
+                          <a:spcPts val="0"/>
+                        </a:spcAft>
+                      </a:pPr>
+                      <a:r>
+                        <a:rPr lang="en-US" sz="800">
+                          <a:effectLst/>
+                        </a:rPr>
+                        <a:t>Good, big ideas</a:t>
+                      </a:r>
+                      <a:endParaRPr lang="en-US" sz="700">
+                        <a:effectLst/>
+                        <a:latin typeface="Times New Roman" panose="02020603050405020304" pitchFamily="18" charset="0"/>
+                        <a:ea typeface="Times New Roman" panose="02020603050405020304" pitchFamily="18" charset="0"/>
+                      </a:endParaRPr>
+                    </a:p>
+                  </a:txBody>
+                  <a:tcPr marL="44955" marR="44955" marT="0" marB="0"/>
+                </a:tc>
+                <a:tc>
+                  <a:txBody>
+                    <a:bodyPr/>
+                    <a:lstStyle/>
+                    <a:p>
+                      <a:pPr marL="0" marR="0">
+                        <a:spcBef>
+                          <a:spcPts val="0"/>
+                        </a:spcBef>
+                        <a:spcAft>
+                          <a:spcPts val="0"/>
+                        </a:spcAft>
+                      </a:pPr>
+                      <a:r>
+                        <a:rPr lang="en-US" sz="800">
+                          <a:effectLst/>
+                        </a:rPr>
+                        <a:t>During initial development stages, good, but exceeding scope, ideas were presented, causing confusion on what would be developed and what wouldn’t. </a:t>
+                      </a:r>
+                      <a:endParaRPr lang="en-US" sz="700">
+                        <a:effectLst/>
+                        <a:latin typeface="Times New Roman" panose="02020603050405020304" pitchFamily="18" charset="0"/>
+                        <a:ea typeface="Times New Roman" panose="02020603050405020304" pitchFamily="18" charset="0"/>
+                      </a:endParaRPr>
+                    </a:p>
+                  </a:txBody>
+                  <a:tcPr marL="44955" marR="44955" marT="0" marB="0"/>
+                </a:tc>
+                <a:tc>
+                  <a:txBody>
+                    <a:bodyPr/>
+                    <a:lstStyle/>
+                    <a:p>
+                      <a:pPr marL="0" marR="0">
+                        <a:spcBef>
+                          <a:spcPts val="0"/>
+                        </a:spcBef>
+                        <a:spcAft>
+                          <a:spcPts val="0"/>
+                        </a:spcAft>
+                      </a:pPr>
+                      <a:r>
+                        <a:rPr lang="en-US" sz="800">
+                          <a:effectLst/>
+                        </a:rPr>
+                        <a:t>Many good ideas for the game were shared, but then held onto for too long and not properly communicated on their status, causing confusion among the developers on what was in or out of development scope</a:t>
+                      </a:r>
+                      <a:endParaRPr lang="en-US" sz="700">
+                        <a:effectLst/>
+                        <a:latin typeface="Times New Roman" panose="02020603050405020304" pitchFamily="18" charset="0"/>
+                        <a:ea typeface="Times New Roman" panose="02020603050405020304" pitchFamily="18" charset="0"/>
+                      </a:endParaRPr>
+                    </a:p>
+                  </a:txBody>
+                  <a:tcPr marL="44955" marR="44955" marT="0" marB="0"/>
+                </a:tc>
+                <a:tc>
+                  <a:txBody>
+                    <a:bodyPr/>
+                    <a:lstStyle/>
+                    <a:p>
+                      <a:pPr marL="0" marR="0">
+                        <a:spcBef>
+                          <a:spcPts val="0"/>
+                        </a:spcBef>
+                        <a:spcAft>
+                          <a:spcPts val="0"/>
+                        </a:spcAft>
+                      </a:pPr>
+                      <a:r>
+                        <a:rPr lang="en-US" sz="800" dirty="0">
+                          <a:effectLst/>
+                        </a:rPr>
+                        <a:t>Project manager should better communicate large design changes and make clear to the rest of the team which ideas are being taken forwards, and which ideas need to be cut in order to develop the project in a timely manner</a:t>
+                      </a:r>
+                      <a:endParaRPr lang="en-US" sz="700" dirty="0">
+                        <a:effectLst/>
+                        <a:latin typeface="Times New Roman" panose="02020603050405020304" pitchFamily="18" charset="0"/>
+                        <a:ea typeface="Times New Roman" panose="02020603050405020304" pitchFamily="18" charset="0"/>
+                      </a:endParaRPr>
+                    </a:p>
+                  </a:txBody>
+                  <a:tcPr marL="44955" marR="44955" marT="0" marB="0"/>
+                </a:tc>
+                <a:extLst>
+                  <a:ext uri="{0D108BD9-81ED-4DB2-BD59-A6C34878D82A}">
+                    <a16:rowId xmlns:a16="http://schemas.microsoft.com/office/drawing/2014/main" val="3546830191"/>
+                  </a:ext>
+                </a:extLst>
+              </a:tr>
+              <a:tr h="1191276">
+                <a:tc>
+                  <a:txBody>
+                    <a:bodyPr/>
+                    <a:lstStyle/>
+                    <a:p>
+                      <a:pPr marL="0" marR="0">
+                        <a:spcBef>
+                          <a:spcPts val="0"/>
+                        </a:spcBef>
+                        <a:spcAft>
+                          <a:spcPts val="0"/>
+                        </a:spcAft>
+                      </a:pPr>
+                      <a:r>
+                        <a:rPr lang="en-US" sz="800">
+                          <a:effectLst/>
+                        </a:rPr>
+                        <a:t>Scope</a:t>
+                      </a:r>
+                      <a:endParaRPr lang="en-US" sz="700">
+                        <a:effectLst/>
+                        <a:latin typeface="Times New Roman" panose="02020603050405020304" pitchFamily="18" charset="0"/>
+                        <a:ea typeface="Times New Roman" panose="02020603050405020304" pitchFamily="18" charset="0"/>
+                      </a:endParaRPr>
+                    </a:p>
+                  </a:txBody>
+                  <a:tcPr marL="44955" marR="44955" marT="0" marB="0"/>
+                </a:tc>
+                <a:tc>
+                  <a:txBody>
+                    <a:bodyPr/>
+                    <a:lstStyle/>
+                    <a:p>
+                      <a:pPr marL="0" marR="0">
+                        <a:spcBef>
+                          <a:spcPts val="0"/>
+                        </a:spcBef>
+                        <a:spcAft>
+                          <a:spcPts val="0"/>
+                        </a:spcAft>
+                      </a:pPr>
+                      <a:r>
+                        <a:rPr lang="en-US" sz="800">
+                          <a:effectLst/>
+                        </a:rPr>
+                        <a:t>Complicated Systems, Lack of Experience with Online Systems</a:t>
+                      </a:r>
+                      <a:endParaRPr lang="en-US" sz="700">
+                        <a:effectLst/>
+                        <a:latin typeface="Times New Roman" panose="02020603050405020304" pitchFamily="18" charset="0"/>
+                        <a:ea typeface="Times New Roman" panose="02020603050405020304" pitchFamily="18" charset="0"/>
+                      </a:endParaRPr>
+                    </a:p>
+                  </a:txBody>
+                  <a:tcPr marL="44955" marR="44955" marT="0" marB="0"/>
+                </a:tc>
+                <a:tc>
+                  <a:txBody>
+                    <a:bodyPr/>
+                    <a:lstStyle/>
+                    <a:p>
+                      <a:pPr marL="0" marR="0">
+                        <a:spcBef>
+                          <a:spcPts val="0"/>
+                        </a:spcBef>
+                        <a:spcAft>
+                          <a:spcPts val="0"/>
+                        </a:spcAft>
+                      </a:pPr>
+                      <a:r>
+                        <a:rPr lang="en-US" sz="800">
+                          <a:effectLst/>
+                        </a:rPr>
+                        <a:t>The planned system of online Player versus Player was not completed in time for the project deadline.</a:t>
+                      </a:r>
+                      <a:endParaRPr lang="en-US" sz="700">
+                        <a:effectLst/>
+                        <a:latin typeface="Times New Roman" panose="02020603050405020304" pitchFamily="18" charset="0"/>
+                        <a:ea typeface="Times New Roman" panose="02020603050405020304" pitchFamily="18" charset="0"/>
+                      </a:endParaRPr>
+                    </a:p>
+                  </a:txBody>
+                  <a:tcPr marL="44955" marR="44955" marT="0" marB="0"/>
+                </a:tc>
+                <a:tc>
+                  <a:txBody>
+                    <a:bodyPr/>
+                    <a:lstStyle/>
+                    <a:p>
+                      <a:pPr marL="0" marR="0">
+                        <a:spcBef>
+                          <a:spcPts val="0"/>
+                        </a:spcBef>
+                        <a:spcAft>
+                          <a:spcPts val="0"/>
+                        </a:spcAft>
+                      </a:pPr>
+                      <a:r>
+                        <a:rPr lang="en-US" sz="800">
+                          <a:effectLst/>
+                        </a:rPr>
+                        <a:t>One of the two planned battle modes did not make completion, giving players a much more limited experience</a:t>
+                      </a:r>
+                      <a:endParaRPr lang="en-US" sz="700">
+                        <a:effectLst/>
+                        <a:latin typeface="Times New Roman" panose="02020603050405020304" pitchFamily="18" charset="0"/>
+                        <a:ea typeface="Times New Roman" panose="02020603050405020304" pitchFamily="18" charset="0"/>
+                      </a:endParaRPr>
+                    </a:p>
+                  </a:txBody>
+                  <a:tcPr marL="44955" marR="44955" marT="0" marB="0"/>
+                </a:tc>
+                <a:tc>
+                  <a:txBody>
+                    <a:bodyPr/>
+                    <a:lstStyle/>
+                    <a:p>
+                      <a:pPr marL="0" marR="0">
+                        <a:spcBef>
+                          <a:spcPts val="0"/>
+                        </a:spcBef>
+                        <a:spcAft>
+                          <a:spcPts val="0"/>
+                        </a:spcAft>
+                      </a:pPr>
+                      <a:r>
+                        <a:rPr lang="en-US" sz="800">
+                          <a:effectLst/>
+                        </a:rPr>
+                        <a:t>PvP developer(s) should better communicate updates and problems with developing their online matchmaking system</a:t>
+                      </a:r>
+                      <a:endParaRPr lang="en-US" sz="700">
+                        <a:effectLst/>
+                        <a:latin typeface="Times New Roman" panose="02020603050405020304" pitchFamily="18" charset="0"/>
+                        <a:ea typeface="Times New Roman" panose="02020603050405020304" pitchFamily="18" charset="0"/>
+                      </a:endParaRPr>
+                    </a:p>
+                  </a:txBody>
+                  <a:tcPr marL="44955" marR="44955" marT="0" marB="0"/>
+                </a:tc>
+                <a:extLst>
+                  <a:ext uri="{0D108BD9-81ED-4DB2-BD59-A6C34878D82A}">
+                    <a16:rowId xmlns:a16="http://schemas.microsoft.com/office/drawing/2014/main" val="1319692045"/>
+                  </a:ext>
+                </a:extLst>
+              </a:tr>
+              <a:tr h="1058912">
+                <a:tc>
+                  <a:txBody>
+                    <a:bodyPr/>
+                    <a:lstStyle/>
+                    <a:p>
+                      <a:pPr marL="0" marR="0">
+                        <a:spcBef>
+                          <a:spcPts val="0"/>
+                        </a:spcBef>
+                        <a:spcAft>
+                          <a:spcPts val="0"/>
+                        </a:spcAft>
+                      </a:pPr>
+                      <a:r>
+                        <a:rPr lang="en-US" sz="800">
+                          <a:effectLst/>
+                        </a:rPr>
+                        <a:t>Audio</a:t>
+                      </a:r>
+                      <a:endParaRPr lang="en-US" sz="700">
+                        <a:effectLst/>
+                        <a:latin typeface="Times New Roman" panose="02020603050405020304" pitchFamily="18" charset="0"/>
+                        <a:ea typeface="Times New Roman" panose="02020603050405020304" pitchFamily="18" charset="0"/>
+                      </a:endParaRPr>
+                    </a:p>
+                  </a:txBody>
+                  <a:tcPr marL="44955" marR="44955" marT="0" marB="0"/>
+                </a:tc>
+                <a:tc>
+                  <a:txBody>
+                    <a:bodyPr/>
+                    <a:lstStyle/>
+                    <a:p>
+                      <a:pPr marL="0" marR="0">
+                        <a:spcBef>
+                          <a:spcPts val="0"/>
+                        </a:spcBef>
+                        <a:spcAft>
+                          <a:spcPts val="0"/>
+                        </a:spcAft>
+                      </a:pPr>
+                      <a:r>
+                        <a:rPr lang="en-US" sz="800">
+                          <a:effectLst/>
+                        </a:rPr>
+                        <a:t>Audio System Implementation</a:t>
+                      </a:r>
+                      <a:endParaRPr lang="en-US" sz="700">
+                        <a:effectLst/>
+                        <a:latin typeface="Times New Roman" panose="02020603050405020304" pitchFamily="18" charset="0"/>
+                        <a:ea typeface="Times New Roman" panose="02020603050405020304" pitchFamily="18" charset="0"/>
+                      </a:endParaRPr>
+                    </a:p>
+                  </a:txBody>
+                  <a:tcPr marL="44955" marR="44955" marT="0" marB="0"/>
+                </a:tc>
+                <a:tc>
+                  <a:txBody>
+                    <a:bodyPr/>
+                    <a:lstStyle/>
+                    <a:p>
+                      <a:pPr marL="0" marR="0">
+                        <a:spcBef>
+                          <a:spcPts val="0"/>
+                        </a:spcBef>
+                        <a:spcAft>
+                          <a:spcPts val="0"/>
+                        </a:spcAft>
+                      </a:pPr>
+                      <a:r>
+                        <a:rPr lang="en-US" sz="800">
+                          <a:effectLst/>
+                        </a:rPr>
+                        <a:t>Both music and sound effects were successfully added to the final version of the project utilizing multiple methods</a:t>
+                      </a:r>
+                      <a:endParaRPr lang="en-US" sz="700">
+                        <a:effectLst/>
+                        <a:latin typeface="Times New Roman" panose="02020603050405020304" pitchFamily="18" charset="0"/>
+                        <a:ea typeface="Times New Roman" panose="02020603050405020304" pitchFamily="18" charset="0"/>
+                      </a:endParaRPr>
+                    </a:p>
+                  </a:txBody>
+                  <a:tcPr marL="44955" marR="44955" marT="0" marB="0"/>
+                </a:tc>
+                <a:tc>
+                  <a:txBody>
+                    <a:bodyPr/>
+                    <a:lstStyle/>
+                    <a:p>
+                      <a:pPr marL="0" marR="0">
+                        <a:spcBef>
+                          <a:spcPts val="0"/>
+                        </a:spcBef>
+                        <a:spcAft>
+                          <a:spcPts val="0"/>
+                        </a:spcAft>
+                      </a:pPr>
+                      <a:r>
+                        <a:rPr lang="en-US" sz="800">
+                          <a:effectLst/>
+                        </a:rPr>
+                        <a:t>In-game audio provides a more user-orientated experience</a:t>
+                      </a:r>
+                      <a:endParaRPr lang="en-US" sz="700">
+                        <a:effectLst/>
+                        <a:latin typeface="Times New Roman" panose="02020603050405020304" pitchFamily="18" charset="0"/>
+                        <a:ea typeface="Times New Roman" panose="02020603050405020304" pitchFamily="18" charset="0"/>
+                      </a:endParaRPr>
+                    </a:p>
+                  </a:txBody>
+                  <a:tcPr marL="44955" marR="44955" marT="0" marB="0"/>
+                </a:tc>
+                <a:tc>
+                  <a:txBody>
+                    <a:bodyPr/>
+                    <a:lstStyle/>
+                    <a:p>
+                      <a:pPr marL="0" marR="0">
+                        <a:spcBef>
+                          <a:spcPts val="0"/>
+                        </a:spcBef>
+                        <a:spcAft>
+                          <a:spcPts val="0"/>
+                        </a:spcAft>
+                      </a:pPr>
+                      <a:r>
+                        <a:rPr lang="en-US" sz="800">
+                          <a:effectLst/>
+                        </a:rPr>
+                        <a:t>Future Unity projects could utilize these methods for ease-of-implementation and user experience</a:t>
+                      </a:r>
+                      <a:endParaRPr lang="en-US" sz="700">
+                        <a:effectLst/>
+                        <a:latin typeface="Times New Roman" panose="02020603050405020304" pitchFamily="18" charset="0"/>
+                        <a:ea typeface="Times New Roman" panose="02020603050405020304" pitchFamily="18" charset="0"/>
+                      </a:endParaRPr>
+                    </a:p>
+                  </a:txBody>
+                  <a:tcPr marL="44955" marR="44955" marT="0" marB="0"/>
+                </a:tc>
+                <a:extLst>
+                  <a:ext uri="{0D108BD9-81ED-4DB2-BD59-A6C34878D82A}">
+                    <a16:rowId xmlns:a16="http://schemas.microsoft.com/office/drawing/2014/main" val="1931397689"/>
+                  </a:ext>
+                </a:extLst>
+              </a:tr>
+              <a:tr h="926548">
+                <a:tc>
+                  <a:txBody>
+                    <a:bodyPr/>
+                    <a:lstStyle/>
+                    <a:p>
+                      <a:pPr marL="0" marR="0">
+                        <a:spcBef>
+                          <a:spcPts val="0"/>
+                        </a:spcBef>
+                        <a:spcAft>
+                          <a:spcPts val="0"/>
+                        </a:spcAft>
+                      </a:pPr>
+                      <a:r>
+                        <a:rPr lang="en-US" sz="800">
+                          <a:effectLst/>
+                        </a:rPr>
+                        <a:t>Teamwork</a:t>
+                      </a:r>
+                      <a:endParaRPr lang="en-US" sz="700">
+                        <a:effectLst/>
+                        <a:latin typeface="Times New Roman" panose="02020603050405020304" pitchFamily="18" charset="0"/>
+                        <a:ea typeface="Times New Roman" panose="02020603050405020304" pitchFamily="18" charset="0"/>
+                      </a:endParaRPr>
+                    </a:p>
+                  </a:txBody>
+                  <a:tcPr marL="44955" marR="44955" marT="0" marB="0"/>
+                </a:tc>
+                <a:tc>
+                  <a:txBody>
+                    <a:bodyPr/>
+                    <a:lstStyle/>
+                    <a:p>
+                      <a:pPr marL="0" marR="0">
+                        <a:spcBef>
+                          <a:spcPts val="0"/>
+                        </a:spcBef>
+                        <a:spcAft>
+                          <a:spcPts val="0"/>
+                        </a:spcAft>
+                      </a:pPr>
+                      <a:r>
+                        <a:rPr lang="en-US" sz="800">
+                          <a:effectLst/>
+                        </a:rPr>
+                        <a:t>Sharing Files via GitHub and other services</a:t>
+                      </a:r>
+                      <a:endParaRPr lang="en-US" sz="700">
+                        <a:effectLst/>
+                        <a:latin typeface="Times New Roman" panose="02020603050405020304" pitchFamily="18" charset="0"/>
+                        <a:ea typeface="Times New Roman" panose="02020603050405020304" pitchFamily="18" charset="0"/>
+                      </a:endParaRPr>
+                    </a:p>
+                  </a:txBody>
+                  <a:tcPr marL="44955" marR="44955" marT="0" marB="0"/>
+                </a:tc>
+                <a:tc>
+                  <a:txBody>
+                    <a:bodyPr/>
+                    <a:lstStyle/>
+                    <a:p>
+                      <a:pPr marL="0" marR="0">
+                        <a:spcBef>
+                          <a:spcPts val="0"/>
+                        </a:spcBef>
+                        <a:spcAft>
+                          <a:spcPts val="0"/>
+                        </a:spcAft>
+                      </a:pPr>
+                      <a:r>
+                        <a:rPr lang="en-US" sz="800">
+                          <a:effectLst/>
+                        </a:rPr>
+                        <a:t>Occasional issues uploading and copying repository from GitHub </a:t>
+                      </a:r>
+                      <a:endParaRPr lang="en-US" sz="700">
+                        <a:effectLst/>
+                        <a:latin typeface="Times New Roman" panose="02020603050405020304" pitchFamily="18" charset="0"/>
+                        <a:ea typeface="Times New Roman" panose="02020603050405020304" pitchFamily="18" charset="0"/>
+                      </a:endParaRPr>
+                    </a:p>
+                  </a:txBody>
+                  <a:tcPr marL="44955" marR="44955" marT="0" marB="0"/>
+                </a:tc>
+                <a:tc>
+                  <a:txBody>
+                    <a:bodyPr/>
+                    <a:lstStyle/>
+                    <a:p>
+                      <a:pPr marL="0" marR="0">
+                        <a:spcBef>
+                          <a:spcPts val="0"/>
+                        </a:spcBef>
+                        <a:spcAft>
+                          <a:spcPts val="0"/>
+                        </a:spcAft>
+                      </a:pPr>
+                      <a:r>
+                        <a:rPr lang="en-US" sz="800">
+                          <a:effectLst/>
+                        </a:rPr>
+                        <a:t>Made early progress a bit more difficult, as unity files are not directly shareable in the same format at times</a:t>
+                      </a:r>
+                      <a:endParaRPr lang="en-US" sz="700">
+                        <a:effectLst/>
+                        <a:latin typeface="Times New Roman" panose="02020603050405020304" pitchFamily="18" charset="0"/>
+                        <a:ea typeface="Times New Roman" panose="02020603050405020304" pitchFamily="18" charset="0"/>
+                      </a:endParaRPr>
+                    </a:p>
+                  </a:txBody>
+                  <a:tcPr marL="44955" marR="44955" marT="0" marB="0"/>
+                </a:tc>
+                <a:tc>
+                  <a:txBody>
+                    <a:bodyPr/>
+                    <a:lstStyle/>
+                    <a:p>
+                      <a:pPr marL="0" marR="0">
+                        <a:spcBef>
+                          <a:spcPts val="0"/>
+                        </a:spcBef>
+                        <a:spcAft>
+                          <a:spcPts val="0"/>
+                        </a:spcAft>
+                      </a:pPr>
+                      <a:r>
+                        <a:rPr lang="en-US" sz="800">
+                          <a:effectLst/>
+                        </a:rPr>
+                        <a:t>The only real solution is patience and cooperation from all members involved.</a:t>
+                      </a:r>
+                      <a:endParaRPr lang="en-US" sz="700">
+                        <a:effectLst/>
+                        <a:latin typeface="Times New Roman" panose="02020603050405020304" pitchFamily="18" charset="0"/>
+                        <a:ea typeface="Times New Roman" panose="02020603050405020304" pitchFamily="18" charset="0"/>
+                      </a:endParaRPr>
+                    </a:p>
+                  </a:txBody>
+                  <a:tcPr marL="44955" marR="44955" marT="0" marB="0"/>
+                </a:tc>
+                <a:extLst>
+                  <a:ext uri="{0D108BD9-81ED-4DB2-BD59-A6C34878D82A}">
+                    <a16:rowId xmlns:a16="http://schemas.microsoft.com/office/drawing/2014/main" val="993278281"/>
+                  </a:ext>
+                </a:extLst>
+              </a:tr>
+              <a:tr h="132364">
+                <a:tc>
+                  <a:txBody>
+                    <a:bodyPr/>
+                    <a:lstStyle/>
+                    <a:p>
+                      <a:pPr marL="0" marR="0">
+                        <a:spcBef>
+                          <a:spcPts val="0"/>
+                        </a:spcBef>
+                        <a:spcAft>
+                          <a:spcPts val="0"/>
+                        </a:spcAft>
+                      </a:pPr>
+                      <a:r>
+                        <a:rPr lang="en-US" sz="800">
+                          <a:effectLst/>
+                        </a:rPr>
+                        <a:t> </a:t>
+                      </a:r>
+                      <a:endParaRPr lang="en-US" sz="700">
+                        <a:effectLst/>
+                        <a:latin typeface="Times New Roman" panose="02020603050405020304" pitchFamily="18" charset="0"/>
+                        <a:ea typeface="Times New Roman" panose="02020603050405020304" pitchFamily="18" charset="0"/>
+                      </a:endParaRPr>
+                    </a:p>
+                  </a:txBody>
+                  <a:tcPr marL="44955" marR="44955" marT="0" marB="0"/>
+                </a:tc>
+                <a:tc>
+                  <a:txBody>
+                    <a:bodyPr/>
+                    <a:lstStyle/>
+                    <a:p>
+                      <a:pPr marL="0" marR="0">
+                        <a:spcBef>
+                          <a:spcPts val="0"/>
+                        </a:spcBef>
+                        <a:spcAft>
+                          <a:spcPts val="0"/>
+                        </a:spcAft>
+                      </a:pPr>
+                      <a:r>
+                        <a:rPr lang="en-US" sz="800">
+                          <a:effectLst/>
+                        </a:rPr>
+                        <a:t> </a:t>
+                      </a:r>
+                      <a:endParaRPr lang="en-US" sz="700">
+                        <a:effectLst/>
+                        <a:latin typeface="Times New Roman" panose="02020603050405020304" pitchFamily="18" charset="0"/>
+                        <a:ea typeface="Times New Roman" panose="02020603050405020304" pitchFamily="18" charset="0"/>
+                      </a:endParaRPr>
+                    </a:p>
+                  </a:txBody>
+                  <a:tcPr marL="44955" marR="44955" marT="0" marB="0"/>
+                </a:tc>
+                <a:tc>
+                  <a:txBody>
+                    <a:bodyPr/>
+                    <a:lstStyle/>
+                    <a:p>
+                      <a:pPr marL="0" marR="0">
+                        <a:spcBef>
+                          <a:spcPts val="0"/>
+                        </a:spcBef>
+                        <a:spcAft>
+                          <a:spcPts val="0"/>
+                        </a:spcAft>
+                      </a:pPr>
+                      <a:r>
+                        <a:rPr lang="en-US" sz="800">
+                          <a:effectLst/>
+                        </a:rPr>
+                        <a:t> </a:t>
+                      </a:r>
+                      <a:endParaRPr lang="en-US" sz="700">
+                        <a:effectLst/>
+                        <a:latin typeface="Times New Roman" panose="02020603050405020304" pitchFamily="18" charset="0"/>
+                        <a:ea typeface="Times New Roman" panose="02020603050405020304" pitchFamily="18" charset="0"/>
+                      </a:endParaRPr>
+                    </a:p>
+                  </a:txBody>
+                  <a:tcPr marL="44955" marR="44955" marT="0" marB="0"/>
+                </a:tc>
+                <a:tc>
+                  <a:txBody>
+                    <a:bodyPr/>
+                    <a:lstStyle/>
+                    <a:p>
+                      <a:pPr marL="0" marR="0">
+                        <a:spcBef>
+                          <a:spcPts val="0"/>
+                        </a:spcBef>
+                        <a:spcAft>
+                          <a:spcPts val="0"/>
+                        </a:spcAft>
+                      </a:pPr>
+                      <a:r>
+                        <a:rPr lang="en-US" sz="800">
+                          <a:effectLst/>
+                        </a:rPr>
+                        <a:t> </a:t>
+                      </a:r>
+                      <a:endParaRPr lang="en-US" sz="700">
+                        <a:effectLst/>
+                        <a:latin typeface="Times New Roman" panose="02020603050405020304" pitchFamily="18" charset="0"/>
+                        <a:ea typeface="Times New Roman" panose="02020603050405020304" pitchFamily="18" charset="0"/>
+                      </a:endParaRPr>
+                    </a:p>
+                  </a:txBody>
+                  <a:tcPr marL="44955" marR="44955" marT="0" marB="0"/>
+                </a:tc>
+                <a:tc>
+                  <a:txBody>
+                    <a:bodyPr/>
+                    <a:lstStyle/>
+                    <a:p>
+                      <a:pPr marL="0" marR="0">
+                        <a:spcBef>
+                          <a:spcPts val="0"/>
+                        </a:spcBef>
+                        <a:spcAft>
+                          <a:spcPts val="0"/>
+                        </a:spcAft>
+                      </a:pPr>
+                      <a:r>
+                        <a:rPr lang="en-US" sz="800" dirty="0">
+                          <a:effectLst/>
+                        </a:rPr>
+                        <a:t> </a:t>
+                      </a:r>
+                      <a:endParaRPr lang="en-US" sz="700" dirty="0">
+                        <a:effectLst/>
+                        <a:latin typeface="Times New Roman" panose="02020603050405020304" pitchFamily="18" charset="0"/>
+                        <a:ea typeface="Times New Roman" panose="02020603050405020304" pitchFamily="18" charset="0"/>
+                      </a:endParaRPr>
+                    </a:p>
+                  </a:txBody>
+                  <a:tcPr marL="44955" marR="44955" marT="0" marB="0"/>
+                </a:tc>
+                <a:extLst>
+                  <a:ext uri="{0D108BD9-81ED-4DB2-BD59-A6C34878D82A}">
+                    <a16:rowId xmlns:a16="http://schemas.microsoft.com/office/drawing/2014/main" val="1424236091"/>
+                  </a:ext>
+                </a:extLst>
+              </a:tr>
+            </a:tbl>
+          </a:graphicData>
+        </a:graphic>
+      </p:graphicFrame>
+    </p:spTree>
+    <p:extLst>
+      <p:ext uri="{BB962C8B-B14F-4D97-AF65-F5344CB8AC3E}">
+        <p14:creationId xmlns:p14="http://schemas.microsoft.com/office/powerpoint/2010/main" val="2930064372"/>
+      </p:ext>
+    </p:extLst>
+  </p:cSld>
+  <p:clrMapOvr>
+    <a:masterClrMapping/>
+  </p:clrMapOvr>
+</p:sld>
+</file>
+
 <file path=ppt/slides/slide2.xml><?xml version="1.0" encoding="utf-8"?>
 <p:sld xmlns:a="http://schemas.openxmlformats.org/drawingml/2006/main" xmlns:r="http://schemas.openxmlformats.org/officeDocument/2006/relationships" xmlns:p="http://schemas.openxmlformats.org/presentationml/2006/main">
   <p:cSld>
@@ -6924,6 +7942,130 @@
           <p:cNvPr id="2" name="Title 1">
             <a:extLst>
               <a:ext uri="{FF2B5EF4-FFF2-40B4-BE49-F238E27FC236}">
+                <a16:creationId xmlns:a16="http://schemas.microsoft.com/office/drawing/2014/main" id="{E4400AF1-CA7F-44C6-A116-D85F085C85B8}"/>
+              </a:ext>
+            </a:extLst>
+          </p:cNvPr>
+          <p:cNvSpPr>
+            <a:spLocks noGrp="1"/>
+          </p:cNvSpPr>
+          <p:nvPr>
+            <p:ph type="title"/>
+          </p:nvPr>
+        </p:nvSpPr>
+        <p:spPr/>
+        <p:txBody>
+          <a:bodyPr/>
+          <a:lstStyle/>
+          <a:p>
+            <a:r>
+              <a:rPr lang="en-US" dirty="0"/>
+              <a:t>Audio</a:t>
+            </a:r>
+          </a:p>
+        </p:txBody>
+      </p:sp>
+      <p:sp>
+        <p:nvSpPr>
+          <p:cNvPr id="3" name="Content Placeholder 2">
+            <a:extLst>
+              <a:ext uri="{FF2B5EF4-FFF2-40B4-BE49-F238E27FC236}">
+                <a16:creationId xmlns:a16="http://schemas.microsoft.com/office/drawing/2014/main" id="{93B904A9-ECBF-4779-AF47-71BC099F1AFD}"/>
+              </a:ext>
+            </a:extLst>
+          </p:cNvPr>
+          <p:cNvSpPr>
+            <a:spLocks noGrp="1"/>
+          </p:cNvSpPr>
+          <p:nvPr>
+            <p:ph idx="1"/>
+          </p:nvPr>
+        </p:nvSpPr>
+        <p:spPr/>
+        <p:txBody>
+          <a:bodyPr/>
+          <a:lstStyle/>
+          <a:p>
+            <a:r>
+              <a:rPr lang="en-US" dirty="0"/>
+              <a:t>Music and looped sound (wind) are attached to Unity game objects in their respective </a:t>
+            </a:r>
+            <a:r>
+              <a:rPr lang="en-US"/>
+              <a:t>game scenes</a:t>
+            </a:r>
+            <a:endParaRPr lang="en-US" dirty="0"/>
+          </a:p>
+          <a:p>
+            <a:r>
+              <a:rPr lang="en-US" dirty="0"/>
+              <a:t>Sound effects like melee hits are routed through the audio manager script, minimizing the amount of code that needs to be added to </a:t>
+            </a:r>
+            <a:r>
+              <a:rPr lang="en-US" dirty="0" err="1"/>
+              <a:t>PlayerCharacter</a:t>
+            </a:r>
+            <a:r>
+              <a:rPr lang="en-US" dirty="0"/>
+              <a:t>, </a:t>
+            </a:r>
+            <a:r>
+              <a:rPr lang="en-US" dirty="0" err="1"/>
+              <a:t>EnemyCharacter</a:t>
+            </a:r>
+            <a:r>
+              <a:rPr lang="en-US" dirty="0"/>
+              <a:t>, and the </a:t>
+            </a:r>
+            <a:r>
+              <a:rPr lang="en-US" dirty="0" err="1"/>
+              <a:t>CombatControl</a:t>
+            </a:r>
+            <a:r>
+              <a:rPr lang="en-US" dirty="0"/>
+              <a:t> scripts</a:t>
+            </a:r>
+          </a:p>
+          <a:p>
+            <a:endParaRPr lang="en-US" dirty="0"/>
+          </a:p>
+        </p:txBody>
+      </p:sp>
+    </p:spTree>
+    <p:extLst>
+      <p:ext uri="{BB962C8B-B14F-4D97-AF65-F5344CB8AC3E}">
+        <p14:creationId xmlns:p14="http://schemas.microsoft.com/office/powerpoint/2010/main" val="1017256031"/>
+      </p:ext>
+    </p:extLst>
+  </p:cSld>
+  <p:clrMapOvr>
+    <a:masterClrMapping/>
+  </p:clrMapOvr>
+</p:sld>
+</file>
+
+<file path=ppt/slides/slide5.xml><?xml version="1.0" encoding="utf-8"?>
+<p:sld xmlns:a="http://schemas.openxmlformats.org/drawingml/2006/main" xmlns:r="http://schemas.openxmlformats.org/officeDocument/2006/relationships" xmlns:p="http://schemas.openxmlformats.org/presentationml/2006/main">
+  <p:cSld>
+    <p:spTree>
+      <p:nvGrpSpPr>
+        <p:cNvPr id="1" name=""/>
+        <p:cNvGrpSpPr/>
+        <p:nvPr/>
+      </p:nvGrpSpPr>
+      <p:grpSpPr>
+        <a:xfrm>
+          <a:off x="0" y="0"/>
+          <a:ext cx="0" cy="0"/>
+          <a:chOff x="0" y="0"/>
+          <a:chExt cx="0" cy="0"/>
+        </a:xfrm>
+      </p:grpSpPr>
+      <p:sp>
+        <p:nvSpPr>
+          <p:cNvPr id="2" name="Title 1">
+            <a:extLst>
+              <a:ext uri="{FF2B5EF4-FFF2-40B4-BE49-F238E27FC236}">
                 <a16:creationId xmlns:a16="http://schemas.microsoft.com/office/drawing/2014/main" id="{18B5EDC7-703B-4B65-B577-AC9072BEC67C}"/>
               </a:ext>
             </a:extLst>
@@ -10022,7 +11164,7 @@
 </p:sld>
 </file>
 
-<file path=ppt/slides/slide5.xml><?xml version="1.0" encoding="utf-8"?>
+<file path=ppt/slides/slide6.xml><?xml version="1.0" encoding="utf-8"?>
 <p:sld xmlns:a="http://schemas.openxmlformats.org/drawingml/2006/main" xmlns:r="http://schemas.openxmlformats.org/officeDocument/2006/relationships" xmlns:p="http://schemas.openxmlformats.org/presentationml/2006/main">
   <p:cSld>
     <p:spTree>
@@ -12023,7 +13165,7 @@
 </p:sld>
 </file>
 
-<file path=ppt/slides/slide6.xml><?xml version="1.0" encoding="utf-8"?>
+<file path=ppt/slides/slide7.xml><?xml version="1.0" encoding="utf-8"?>
 <p:sld xmlns:a="http://schemas.openxmlformats.org/drawingml/2006/main" xmlns:r="http://schemas.openxmlformats.org/officeDocument/2006/relationships" xmlns:p="http://schemas.openxmlformats.org/presentationml/2006/main">
   <p:cSld>
     <p:spTree>
@@ -12116,7 +13258,7 @@
 </p:sld>
 </file>
 
-<file path=ppt/slides/slide7.xml><?xml version="1.0" encoding="utf-8"?>
+<file path=ppt/slides/slide8.xml><?xml version="1.0" encoding="utf-8"?>
 <p:sld xmlns:a="http://schemas.openxmlformats.org/drawingml/2006/main" xmlns:r="http://schemas.openxmlformats.org/officeDocument/2006/relationships" xmlns:p="http://schemas.openxmlformats.org/presentationml/2006/main">
   <p:cSld>
     <p:spTree>
@@ -12209,7 +13351,7 @@
 </p:sld>
 </file>
 
-<file path=ppt/slides/slide8.xml><?xml version="1.0" encoding="utf-8"?>
+<file path=ppt/slides/slide9.xml><?xml version="1.0" encoding="utf-8"?>
 <p:sld xmlns:a="http://schemas.openxmlformats.org/drawingml/2006/main" xmlns:r="http://schemas.openxmlformats.org/officeDocument/2006/relationships" xmlns:p="http://schemas.openxmlformats.org/presentationml/2006/main">
   <p:cSld>
     <p:spTree>
@@ -12293,1018 +13435,6 @@
     <p:extLst>
       <p:ext uri="{BB962C8B-B14F-4D97-AF65-F5344CB8AC3E}">
         <p14:creationId xmlns:p14="http://schemas.microsoft.com/office/powerpoint/2010/main" val="322018079"/>
-      </p:ext>
-    </p:extLst>
-  </p:cSld>
-  <p:clrMapOvr>
-    <a:masterClrMapping/>
-  </p:clrMapOvr>
-</p:sld>
-</file>
-
-<file path=ppt/slides/slide9.xml><?xml version="1.0" encoding="utf-8"?>
-<p:sld xmlns:a="http://schemas.openxmlformats.org/drawingml/2006/main" xmlns:r="http://schemas.openxmlformats.org/officeDocument/2006/relationships" xmlns:p="http://schemas.openxmlformats.org/presentationml/2006/main">
-  <p:cSld>
-    <p:spTree>
-      <p:nvGrpSpPr>
-        <p:cNvPr id="1" name=""/>
-        <p:cNvGrpSpPr/>
-        <p:nvPr/>
-      </p:nvGrpSpPr>
-      <p:grpSpPr>
-        <a:xfrm>
-          <a:off x="0" y="0"/>
-          <a:ext cx="0" cy="0"/>
-          <a:chOff x="0" y="0"/>
-          <a:chExt cx="0" cy="0"/>
-        </a:xfrm>
-      </p:grpSpPr>
-      <p:sp>
-        <p:nvSpPr>
-          <p:cNvPr id="2" name="Title 1">
-            <a:extLst>
-              <a:ext uri="{FF2B5EF4-FFF2-40B4-BE49-F238E27FC236}">
-                <a16:creationId xmlns:a16="http://schemas.microsoft.com/office/drawing/2014/main" id="{897DCABE-5E71-4F29-AA52-3619D5CE8BE8}"/>
-              </a:ext>
-            </a:extLst>
-          </p:cNvPr>
-          <p:cNvSpPr>
-            <a:spLocks noGrp="1"/>
-          </p:cNvSpPr>
-          <p:nvPr>
-            <p:ph type="title"/>
-          </p:nvPr>
-        </p:nvSpPr>
-        <p:spPr/>
-        <p:txBody>
-          <a:bodyPr/>
-          <a:lstStyle/>
-          <a:p>
-            <a:r>
-              <a:rPr lang="en-US" dirty="0"/>
-              <a:t>Lessons Learned</a:t>
-            </a:r>
-          </a:p>
-        </p:txBody>
-      </p:sp>
-      <p:graphicFrame>
-        <p:nvGraphicFramePr>
-          <p:cNvPr id="4" name="Content Placeholder 3">
-            <a:extLst>
-              <a:ext uri="{FF2B5EF4-FFF2-40B4-BE49-F238E27FC236}">
-                <a16:creationId xmlns:a16="http://schemas.microsoft.com/office/drawing/2014/main" id="{A5EE9565-1F43-46DC-8175-67D8554CEBB2}"/>
-              </a:ext>
-            </a:extLst>
-          </p:cNvPr>
-          <p:cNvGraphicFramePr>
-            <a:graphicFrameLocks noGrp="1"/>
-          </p:cNvGraphicFramePr>
-          <p:nvPr>
-            <p:ph idx="1"/>
-            <p:extLst>
-              <p:ext uri="{D42A27DB-BD31-4B8C-83A1-F6EECF244321}">
-                <p14:modId xmlns:p14="http://schemas.microsoft.com/office/powerpoint/2010/main" val="2993080248"/>
-              </p:ext>
-            </p:extLst>
-          </p:nvPr>
-        </p:nvGraphicFramePr>
-        <p:xfrm>
-          <a:off x="2398644" y="1298713"/>
-          <a:ext cx="6771860" cy="5559288"/>
-        </p:xfrm>
-        <a:graphic>
-          <a:graphicData uri="http://schemas.openxmlformats.org/drawingml/2006/table">
-            <a:tbl>
-              <a:tblPr firstRow="1" firstCol="1" lastRow="1" lastCol="1" bandRow="1" bandCol="1">
-                <a:tableStyleId>{5C22544A-7EE6-4342-B048-85BDC9FD1C3A}</a:tableStyleId>
-              </a:tblPr>
-              <a:tblGrid>
-                <a:gridCol w="1009839">
-                  <a:extLst>
-                    <a:ext uri="{9D8B030D-6E8A-4147-A177-3AD203B41FA5}">
-                      <a16:colId xmlns:a16="http://schemas.microsoft.com/office/drawing/2014/main" val="2910355946"/>
-                    </a:ext>
-                  </a:extLst>
-                </a:gridCol>
-                <a:gridCol w="1069242">
-                  <a:extLst>
-                    <a:ext uri="{9D8B030D-6E8A-4147-A177-3AD203B41FA5}">
-                      <a16:colId xmlns:a16="http://schemas.microsoft.com/office/drawing/2014/main" val="275953785"/>
-                    </a:ext>
-                  </a:extLst>
-                </a:gridCol>
-                <a:gridCol w="1603861">
-                  <a:extLst>
-                    <a:ext uri="{9D8B030D-6E8A-4147-A177-3AD203B41FA5}">
-                      <a16:colId xmlns:a16="http://schemas.microsoft.com/office/drawing/2014/main" val="2927638086"/>
-                    </a:ext>
-                  </a:extLst>
-                </a:gridCol>
-                <a:gridCol w="1603861">
-                  <a:extLst>
-                    <a:ext uri="{9D8B030D-6E8A-4147-A177-3AD203B41FA5}">
-                      <a16:colId xmlns:a16="http://schemas.microsoft.com/office/drawing/2014/main" val="2562784813"/>
-                    </a:ext>
-                  </a:extLst>
-                </a:gridCol>
-                <a:gridCol w="1485057">
-                  <a:extLst>
-                    <a:ext uri="{9D8B030D-6E8A-4147-A177-3AD203B41FA5}">
-                      <a16:colId xmlns:a16="http://schemas.microsoft.com/office/drawing/2014/main" val="740924148"/>
-                    </a:ext>
-                  </a:extLst>
-                </a:gridCol>
-              </a:tblGrid>
-              <a:tr h="264728">
-                <a:tc>
-                  <a:txBody>
-                    <a:bodyPr/>
-                    <a:lstStyle/>
-                    <a:p>
-                      <a:pPr marL="0" marR="0">
-                        <a:spcBef>
-                          <a:spcPts val="0"/>
-                        </a:spcBef>
-                        <a:spcAft>
-                          <a:spcPts val="0"/>
-                        </a:spcAft>
-                      </a:pPr>
-                      <a:r>
-                        <a:rPr lang="en-US" sz="800">
-                          <a:effectLst/>
-                        </a:rPr>
-                        <a:t>Category</a:t>
-                      </a:r>
-                      <a:endParaRPr lang="en-US" sz="700">
-                        <a:effectLst/>
-                        <a:latin typeface="Times New Roman" panose="02020603050405020304" pitchFamily="18" charset="0"/>
-                        <a:ea typeface="Times New Roman" panose="02020603050405020304" pitchFamily="18" charset="0"/>
-                      </a:endParaRPr>
-                    </a:p>
-                  </a:txBody>
-                  <a:tcPr marL="44955" marR="44955" marT="0" marB="0"/>
-                </a:tc>
-                <a:tc>
-                  <a:txBody>
-                    <a:bodyPr/>
-                    <a:lstStyle/>
-                    <a:p>
-                      <a:pPr marL="0" marR="0">
-                        <a:spcBef>
-                          <a:spcPts val="0"/>
-                        </a:spcBef>
-                        <a:spcAft>
-                          <a:spcPts val="0"/>
-                        </a:spcAft>
-                      </a:pPr>
-                      <a:r>
-                        <a:rPr lang="en-US" sz="800">
-                          <a:effectLst/>
-                        </a:rPr>
-                        <a:t>Issue Name</a:t>
-                      </a:r>
-                      <a:endParaRPr lang="en-US" sz="700">
-                        <a:effectLst/>
-                        <a:latin typeface="Times New Roman" panose="02020603050405020304" pitchFamily="18" charset="0"/>
-                        <a:ea typeface="Times New Roman" panose="02020603050405020304" pitchFamily="18" charset="0"/>
-                      </a:endParaRPr>
-                    </a:p>
-                  </a:txBody>
-                  <a:tcPr marL="44955" marR="44955" marT="0" marB="0"/>
-                </a:tc>
-                <a:tc>
-                  <a:txBody>
-                    <a:bodyPr/>
-                    <a:lstStyle/>
-                    <a:p>
-                      <a:pPr marL="0" marR="0">
-                        <a:spcBef>
-                          <a:spcPts val="0"/>
-                        </a:spcBef>
-                        <a:spcAft>
-                          <a:spcPts val="0"/>
-                        </a:spcAft>
-                      </a:pPr>
-                      <a:r>
-                        <a:rPr lang="en-US" sz="800">
-                          <a:effectLst/>
-                        </a:rPr>
-                        <a:t>Problem/Success</a:t>
-                      </a:r>
-                      <a:endParaRPr lang="en-US" sz="700">
-                        <a:effectLst/>
-                        <a:latin typeface="Times New Roman" panose="02020603050405020304" pitchFamily="18" charset="0"/>
-                        <a:ea typeface="Times New Roman" panose="02020603050405020304" pitchFamily="18" charset="0"/>
-                      </a:endParaRPr>
-                    </a:p>
-                  </a:txBody>
-                  <a:tcPr marL="44955" marR="44955" marT="0" marB="0"/>
-                </a:tc>
-                <a:tc>
-                  <a:txBody>
-                    <a:bodyPr/>
-                    <a:lstStyle/>
-                    <a:p>
-                      <a:pPr marL="0" marR="0">
-                        <a:spcBef>
-                          <a:spcPts val="0"/>
-                        </a:spcBef>
-                        <a:spcAft>
-                          <a:spcPts val="0"/>
-                        </a:spcAft>
-                      </a:pPr>
-                      <a:r>
-                        <a:rPr lang="en-US" sz="800">
-                          <a:effectLst/>
-                        </a:rPr>
-                        <a:t>Impact</a:t>
-                      </a:r>
-                      <a:endParaRPr lang="en-US" sz="700">
-                        <a:effectLst/>
-                        <a:latin typeface="Times New Roman" panose="02020603050405020304" pitchFamily="18" charset="0"/>
-                        <a:ea typeface="Times New Roman" panose="02020603050405020304" pitchFamily="18" charset="0"/>
-                      </a:endParaRPr>
-                    </a:p>
-                  </a:txBody>
-                  <a:tcPr marL="44955" marR="44955" marT="0" marB="0"/>
-                </a:tc>
-                <a:tc>
-                  <a:txBody>
-                    <a:bodyPr/>
-                    <a:lstStyle/>
-                    <a:p>
-                      <a:pPr marL="0" marR="0">
-                        <a:spcBef>
-                          <a:spcPts val="0"/>
-                        </a:spcBef>
-                        <a:spcAft>
-                          <a:spcPts val="0"/>
-                        </a:spcAft>
-                      </a:pPr>
-                      <a:r>
-                        <a:rPr lang="en-US" sz="800">
-                          <a:effectLst/>
-                        </a:rPr>
-                        <a:t>Recommendation</a:t>
-                      </a:r>
-                      <a:endParaRPr lang="en-US" sz="700">
-                        <a:effectLst/>
-                        <a:latin typeface="Times New Roman" panose="02020603050405020304" pitchFamily="18" charset="0"/>
-                        <a:ea typeface="Times New Roman" panose="02020603050405020304" pitchFamily="18" charset="0"/>
-                      </a:endParaRPr>
-                    </a:p>
-                  </a:txBody>
-                  <a:tcPr marL="44955" marR="44955" marT="0" marB="0"/>
-                </a:tc>
-                <a:extLst>
-                  <a:ext uri="{0D108BD9-81ED-4DB2-BD59-A6C34878D82A}">
-                    <a16:rowId xmlns:a16="http://schemas.microsoft.com/office/drawing/2014/main" val="2307349854"/>
-                  </a:ext>
-                </a:extLst>
-              </a:tr>
-              <a:tr h="1985460">
-                <a:tc>
-                  <a:txBody>
-                    <a:bodyPr/>
-                    <a:lstStyle/>
-                    <a:p>
-                      <a:pPr marL="0" marR="0">
-                        <a:spcBef>
-                          <a:spcPts val="0"/>
-                        </a:spcBef>
-                        <a:spcAft>
-                          <a:spcPts val="0"/>
-                        </a:spcAft>
-                      </a:pPr>
-                      <a:r>
-                        <a:rPr lang="en-US" sz="800">
-                          <a:effectLst/>
-                        </a:rPr>
-                        <a:t>Scope</a:t>
-                      </a:r>
-                      <a:endParaRPr lang="en-US" sz="700">
-                        <a:effectLst/>
-                        <a:latin typeface="Times New Roman" panose="02020603050405020304" pitchFamily="18" charset="0"/>
-                        <a:ea typeface="Times New Roman" panose="02020603050405020304" pitchFamily="18" charset="0"/>
-                      </a:endParaRPr>
-                    </a:p>
-                  </a:txBody>
-                  <a:tcPr marL="44955" marR="44955" marT="0" marB="0"/>
-                </a:tc>
-                <a:tc>
-                  <a:txBody>
-                    <a:bodyPr/>
-                    <a:lstStyle/>
-                    <a:p>
-                      <a:pPr marL="0" marR="0">
-                        <a:spcBef>
-                          <a:spcPts val="0"/>
-                        </a:spcBef>
-                        <a:spcAft>
-                          <a:spcPts val="0"/>
-                        </a:spcAft>
-                      </a:pPr>
-                      <a:r>
-                        <a:rPr lang="en-US" sz="800">
-                          <a:effectLst/>
-                        </a:rPr>
-                        <a:t>Good, big ideas</a:t>
-                      </a:r>
-                      <a:endParaRPr lang="en-US" sz="700">
-                        <a:effectLst/>
-                        <a:latin typeface="Times New Roman" panose="02020603050405020304" pitchFamily="18" charset="0"/>
-                        <a:ea typeface="Times New Roman" panose="02020603050405020304" pitchFamily="18" charset="0"/>
-                      </a:endParaRPr>
-                    </a:p>
-                  </a:txBody>
-                  <a:tcPr marL="44955" marR="44955" marT="0" marB="0"/>
-                </a:tc>
-                <a:tc>
-                  <a:txBody>
-                    <a:bodyPr/>
-                    <a:lstStyle/>
-                    <a:p>
-                      <a:pPr marL="0" marR="0">
-                        <a:spcBef>
-                          <a:spcPts val="0"/>
-                        </a:spcBef>
-                        <a:spcAft>
-                          <a:spcPts val="0"/>
-                        </a:spcAft>
-                      </a:pPr>
-                      <a:r>
-                        <a:rPr lang="en-US" sz="800">
-                          <a:effectLst/>
-                        </a:rPr>
-                        <a:t>During initial development stages, good, but exceeding scope, ideas were presented, causing confusion on what would be developed and what wouldn’t. </a:t>
-                      </a:r>
-                      <a:endParaRPr lang="en-US" sz="700">
-                        <a:effectLst/>
-                        <a:latin typeface="Times New Roman" panose="02020603050405020304" pitchFamily="18" charset="0"/>
-                        <a:ea typeface="Times New Roman" panose="02020603050405020304" pitchFamily="18" charset="0"/>
-                      </a:endParaRPr>
-                    </a:p>
-                  </a:txBody>
-                  <a:tcPr marL="44955" marR="44955" marT="0" marB="0"/>
-                </a:tc>
-                <a:tc>
-                  <a:txBody>
-                    <a:bodyPr/>
-                    <a:lstStyle/>
-                    <a:p>
-                      <a:pPr marL="0" marR="0">
-                        <a:spcBef>
-                          <a:spcPts val="0"/>
-                        </a:spcBef>
-                        <a:spcAft>
-                          <a:spcPts val="0"/>
-                        </a:spcAft>
-                      </a:pPr>
-                      <a:r>
-                        <a:rPr lang="en-US" sz="800">
-                          <a:effectLst/>
-                        </a:rPr>
-                        <a:t>Many good ideas for the game were shared, but then held onto for too long and not properly communicated on their status, causing confusion among the developers on what was in or out of development scope</a:t>
-                      </a:r>
-                      <a:endParaRPr lang="en-US" sz="700">
-                        <a:effectLst/>
-                        <a:latin typeface="Times New Roman" panose="02020603050405020304" pitchFamily="18" charset="0"/>
-                        <a:ea typeface="Times New Roman" panose="02020603050405020304" pitchFamily="18" charset="0"/>
-                      </a:endParaRPr>
-                    </a:p>
-                  </a:txBody>
-                  <a:tcPr marL="44955" marR="44955" marT="0" marB="0"/>
-                </a:tc>
-                <a:tc>
-                  <a:txBody>
-                    <a:bodyPr/>
-                    <a:lstStyle/>
-                    <a:p>
-                      <a:pPr marL="0" marR="0">
-                        <a:spcBef>
-                          <a:spcPts val="0"/>
-                        </a:spcBef>
-                        <a:spcAft>
-                          <a:spcPts val="0"/>
-                        </a:spcAft>
-                      </a:pPr>
-                      <a:r>
-                        <a:rPr lang="en-US" sz="800" dirty="0">
-                          <a:effectLst/>
-                        </a:rPr>
-                        <a:t>Project manager should better communicate large design changes and make clear to the rest of the team which ideas are being taken forwards, and which ideas need to be cut in order to develop the project in a timely manner</a:t>
-                      </a:r>
-                      <a:endParaRPr lang="en-US" sz="700" dirty="0">
-                        <a:effectLst/>
-                        <a:latin typeface="Times New Roman" panose="02020603050405020304" pitchFamily="18" charset="0"/>
-                        <a:ea typeface="Times New Roman" panose="02020603050405020304" pitchFamily="18" charset="0"/>
-                      </a:endParaRPr>
-                    </a:p>
-                  </a:txBody>
-                  <a:tcPr marL="44955" marR="44955" marT="0" marB="0"/>
-                </a:tc>
-                <a:extLst>
-                  <a:ext uri="{0D108BD9-81ED-4DB2-BD59-A6C34878D82A}">
-                    <a16:rowId xmlns:a16="http://schemas.microsoft.com/office/drawing/2014/main" val="3546830191"/>
-                  </a:ext>
-                </a:extLst>
-              </a:tr>
-              <a:tr h="1191276">
-                <a:tc>
-                  <a:txBody>
-                    <a:bodyPr/>
-                    <a:lstStyle/>
-                    <a:p>
-                      <a:pPr marL="0" marR="0">
-                        <a:spcBef>
-                          <a:spcPts val="0"/>
-                        </a:spcBef>
-                        <a:spcAft>
-                          <a:spcPts val="0"/>
-                        </a:spcAft>
-                      </a:pPr>
-                      <a:r>
-                        <a:rPr lang="en-US" sz="800">
-                          <a:effectLst/>
-                        </a:rPr>
-                        <a:t>Scope</a:t>
-                      </a:r>
-                      <a:endParaRPr lang="en-US" sz="700">
-                        <a:effectLst/>
-                        <a:latin typeface="Times New Roman" panose="02020603050405020304" pitchFamily="18" charset="0"/>
-                        <a:ea typeface="Times New Roman" panose="02020603050405020304" pitchFamily="18" charset="0"/>
-                      </a:endParaRPr>
-                    </a:p>
-                  </a:txBody>
-                  <a:tcPr marL="44955" marR="44955" marT="0" marB="0"/>
-                </a:tc>
-                <a:tc>
-                  <a:txBody>
-                    <a:bodyPr/>
-                    <a:lstStyle/>
-                    <a:p>
-                      <a:pPr marL="0" marR="0">
-                        <a:spcBef>
-                          <a:spcPts val="0"/>
-                        </a:spcBef>
-                        <a:spcAft>
-                          <a:spcPts val="0"/>
-                        </a:spcAft>
-                      </a:pPr>
-                      <a:r>
-                        <a:rPr lang="en-US" sz="800">
-                          <a:effectLst/>
-                        </a:rPr>
-                        <a:t>Complicated Systems, Lack of Experience with Online Systems</a:t>
-                      </a:r>
-                      <a:endParaRPr lang="en-US" sz="700">
-                        <a:effectLst/>
-                        <a:latin typeface="Times New Roman" panose="02020603050405020304" pitchFamily="18" charset="0"/>
-                        <a:ea typeface="Times New Roman" panose="02020603050405020304" pitchFamily="18" charset="0"/>
-                      </a:endParaRPr>
-                    </a:p>
-                  </a:txBody>
-                  <a:tcPr marL="44955" marR="44955" marT="0" marB="0"/>
-                </a:tc>
-                <a:tc>
-                  <a:txBody>
-                    <a:bodyPr/>
-                    <a:lstStyle/>
-                    <a:p>
-                      <a:pPr marL="0" marR="0">
-                        <a:spcBef>
-                          <a:spcPts val="0"/>
-                        </a:spcBef>
-                        <a:spcAft>
-                          <a:spcPts val="0"/>
-                        </a:spcAft>
-                      </a:pPr>
-                      <a:r>
-                        <a:rPr lang="en-US" sz="800">
-                          <a:effectLst/>
-                        </a:rPr>
-                        <a:t>The planned system of online Player versus Player was not completed in time for the project deadline.</a:t>
-                      </a:r>
-                      <a:endParaRPr lang="en-US" sz="700">
-                        <a:effectLst/>
-                        <a:latin typeface="Times New Roman" panose="02020603050405020304" pitchFamily="18" charset="0"/>
-                        <a:ea typeface="Times New Roman" panose="02020603050405020304" pitchFamily="18" charset="0"/>
-                      </a:endParaRPr>
-                    </a:p>
-                  </a:txBody>
-                  <a:tcPr marL="44955" marR="44955" marT="0" marB="0"/>
-                </a:tc>
-                <a:tc>
-                  <a:txBody>
-                    <a:bodyPr/>
-                    <a:lstStyle/>
-                    <a:p>
-                      <a:pPr marL="0" marR="0">
-                        <a:spcBef>
-                          <a:spcPts val="0"/>
-                        </a:spcBef>
-                        <a:spcAft>
-                          <a:spcPts val="0"/>
-                        </a:spcAft>
-                      </a:pPr>
-                      <a:r>
-                        <a:rPr lang="en-US" sz="800">
-                          <a:effectLst/>
-                        </a:rPr>
-                        <a:t>One of the two planned battle modes did not make completion, giving players a much more limited experience</a:t>
-                      </a:r>
-                      <a:endParaRPr lang="en-US" sz="700">
-                        <a:effectLst/>
-                        <a:latin typeface="Times New Roman" panose="02020603050405020304" pitchFamily="18" charset="0"/>
-                        <a:ea typeface="Times New Roman" panose="02020603050405020304" pitchFamily="18" charset="0"/>
-                      </a:endParaRPr>
-                    </a:p>
-                  </a:txBody>
-                  <a:tcPr marL="44955" marR="44955" marT="0" marB="0"/>
-                </a:tc>
-                <a:tc>
-                  <a:txBody>
-                    <a:bodyPr/>
-                    <a:lstStyle/>
-                    <a:p>
-                      <a:pPr marL="0" marR="0">
-                        <a:spcBef>
-                          <a:spcPts val="0"/>
-                        </a:spcBef>
-                        <a:spcAft>
-                          <a:spcPts val="0"/>
-                        </a:spcAft>
-                      </a:pPr>
-                      <a:r>
-                        <a:rPr lang="en-US" sz="800">
-                          <a:effectLst/>
-                        </a:rPr>
-                        <a:t>PvP developer(s) should better communicate updates and problems with developing their online matchmaking system</a:t>
-                      </a:r>
-                      <a:endParaRPr lang="en-US" sz="700">
-                        <a:effectLst/>
-                        <a:latin typeface="Times New Roman" panose="02020603050405020304" pitchFamily="18" charset="0"/>
-                        <a:ea typeface="Times New Roman" panose="02020603050405020304" pitchFamily="18" charset="0"/>
-                      </a:endParaRPr>
-                    </a:p>
-                  </a:txBody>
-                  <a:tcPr marL="44955" marR="44955" marT="0" marB="0"/>
-                </a:tc>
-                <a:extLst>
-                  <a:ext uri="{0D108BD9-81ED-4DB2-BD59-A6C34878D82A}">
-                    <a16:rowId xmlns:a16="http://schemas.microsoft.com/office/drawing/2014/main" val="1319692045"/>
-                  </a:ext>
-                </a:extLst>
-              </a:tr>
-              <a:tr h="1058912">
-                <a:tc>
-                  <a:txBody>
-                    <a:bodyPr/>
-                    <a:lstStyle/>
-                    <a:p>
-                      <a:pPr marL="0" marR="0">
-                        <a:spcBef>
-                          <a:spcPts val="0"/>
-                        </a:spcBef>
-                        <a:spcAft>
-                          <a:spcPts val="0"/>
-                        </a:spcAft>
-                      </a:pPr>
-                      <a:r>
-                        <a:rPr lang="en-US" sz="800">
-                          <a:effectLst/>
-                        </a:rPr>
-                        <a:t>Audio</a:t>
-                      </a:r>
-                      <a:endParaRPr lang="en-US" sz="700">
-                        <a:effectLst/>
-                        <a:latin typeface="Times New Roman" panose="02020603050405020304" pitchFamily="18" charset="0"/>
-                        <a:ea typeface="Times New Roman" panose="02020603050405020304" pitchFamily="18" charset="0"/>
-                      </a:endParaRPr>
-                    </a:p>
-                  </a:txBody>
-                  <a:tcPr marL="44955" marR="44955" marT="0" marB="0"/>
-                </a:tc>
-                <a:tc>
-                  <a:txBody>
-                    <a:bodyPr/>
-                    <a:lstStyle/>
-                    <a:p>
-                      <a:pPr marL="0" marR="0">
-                        <a:spcBef>
-                          <a:spcPts val="0"/>
-                        </a:spcBef>
-                        <a:spcAft>
-                          <a:spcPts val="0"/>
-                        </a:spcAft>
-                      </a:pPr>
-                      <a:r>
-                        <a:rPr lang="en-US" sz="800">
-                          <a:effectLst/>
-                        </a:rPr>
-                        <a:t>Audio System Implementation</a:t>
-                      </a:r>
-                      <a:endParaRPr lang="en-US" sz="700">
-                        <a:effectLst/>
-                        <a:latin typeface="Times New Roman" panose="02020603050405020304" pitchFamily="18" charset="0"/>
-                        <a:ea typeface="Times New Roman" panose="02020603050405020304" pitchFamily="18" charset="0"/>
-                      </a:endParaRPr>
-                    </a:p>
-                  </a:txBody>
-                  <a:tcPr marL="44955" marR="44955" marT="0" marB="0"/>
-                </a:tc>
-                <a:tc>
-                  <a:txBody>
-                    <a:bodyPr/>
-                    <a:lstStyle/>
-                    <a:p>
-                      <a:pPr marL="0" marR="0">
-                        <a:spcBef>
-                          <a:spcPts val="0"/>
-                        </a:spcBef>
-                        <a:spcAft>
-                          <a:spcPts val="0"/>
-                        </a:spcAft>
-                      </a:pPr>
-                      <a:r>
-                        <a:rPr lang="en-US" sz="800">
-                          <a:effectLst/>
-                        </a:rPr>
-                        <a:t>Both music and sound effects were successfully added to the final version of the project utilizing multiple methods</a:t>
-                      </a:r>
-                      <a:endParaRPr lang="en-US" sz="700">
-                        <a:effectLst/>
-                        <a:latin typeface="Times New Roman" panose="02020603050405020304" pitchFamily="18" charset="0"/>
-                        <a:ea typeface="Times New Roman" panose="02020603050405020304" pitchFamily="18" charset="0"/>
-                      </a:endParaRPr>
-                    </a:p>
-                  </a:txBody>
-                  <a:tcPr marL="44955" marR="44955" marT="0" marB="0"/>
-                </a:tc>
-                <a:tc>
-                  <a:txBody>
-                    <a:bodyPr/>
-                    <a:lstStyle/>
-                    <a:p>
-                      <a:pPr marL="0" marR="0">
-                        <a:spcBef>
-                          <a:spcPts val="0"/>
-                        </a:spcBef>
-                        <a:spcAft>
-                          <a:spcPts val="0"/>
-                        </a:spcAft>
-                      </a:pPr>
-                      <a:r>
-                        <a:rPr lang="en-US" sz="800">
-                          <a:effectLst/>
-                        </a:rPr>
-                        <a:t>In-game audio provides a more user-orientated experience</a:t>
-                      </a:r>
-                      <a:endParaRPr lang="en-US" sz="700">
-                        <a:effectLst/>
-                        <a:latin typeface="Times New Roman" panose="02020603050405020304" pitchFamily="18" charset="0"/>
-                        <a:ea typeface="Times New Roman" panose="02020603050405020304" pitchFamily="18" charset="0"/>
-                      </a:endParaRPr>
-                    </a:p>
-                  </a:txBody>
-                  <a:tcPr marL="44955" marR="44955" marT="0" marB="0"/>
-                </a:tc>
-                <a:tc>
-                  <a:txBody>
-                    <a:bodyPr/>
-                    <a:lstStyle/>
-                    <a:p>
-                      <a:pPr marL="0" marR="0">
-                        <a:spcBef>
-                          <a:spcPts val="0"/>
-                        </a:spcBef>
-                        <a:spcAft>
-                          <a:spcPts val="0"/>
-                        </a:spcAft>
-                      </a:pPr>
-                      <a:r>
-                        <a:rPr lang="en-US" sz="800">
-                          <a:effectLst/>
-                        </a:rPr>
-                        <a:t>Future Unity projects could utilize these methods for ease-of-implementation and user experience</a:t>
-                      </a:r>
-                      <a:endParaRPr lang="en-US" sz="700">
-                        <a:effectLst/>
-                        <a:latin typeface="Times New Roman" panose="02020603050405020304" pitchFamily="18" charset="0"/>
-                        <a:ea typeface="Times New Roman" panose="02020603050405020304" pitchFamily="18" charset="0"/>
-                      </a:endParaRPr>
-                    </a:p>
-                  </a:txBody>
-                  <a:tcPr marL="44955" marR="44955" marT="0" marB="0"/>
-                </a:tc>
-                <a:extLst>
-                  <a:ext uri="{0D108BD9-81ED-4DB2-BD59-A6C34878D82A}">
-                    <a16:rowId xmlns:a16="http://schemas.microsoft.com/office/drawing/2014/main" val="1931397689"/>
-                  </a:ext>
-                </a:extLst>
-              </a:tr>
-              <a:tr h="926548">
-                <a:tc>
-                  <a:txBody>
-                    <a:bodyPr/>
-                    <a:lstStyle/>
-                    <a:p>
-                      <a:pPr marL="0" marR="0">
-                        <a:spcBef>
-                          <a:spcPts val="0"/>
-                        </a:spcBef>
-                        <a:spcAft>
-                          <a:spcPts val="0"/>
-                        </a:spcAft>
-                      </a:pPr>
-                      <a:r>
-                        <a:rPr lang="en-US" sz="800">
-                          <a:effectLst/>
-                        </a:rPr>
-                        <a:t>Teamwork</a:t>
-                      </a:r>
-                      <a:endParaRPr lang="en-US" sz="700">
-                        <a:effectLst/>
-                        <a:latin typeface="Times New Roman" panose="02020603050405020304" pitchFamily="18" charset="0"/>
-                        <a:ea typeface="Times New Roman" panose="02020603050405020304" pitchFamily="18" charset="0"/>
-                      </a:endParaRPr>
-                    </a:p>
-                  </a:txBody>
-                  <a:tcPr marL="44955" marR="44955" marT="0" marB="0"/>
-                </a:tc>
-                <a:tc>
-                  <a:txBody>
-                    <a:bodyPr/>
-                    <a:lstStyle/>
-                    <a:p>
-                      <a:pPr marL="0" marR="0">
-                        <a:spcBef>
-                          <a:spcPts val="0"/>
-                        </a:spcBef>
-                        <a:spcAft>
-                          <a:spcPts val="0"/>
-                        </a:spcAft>
-                      </a:pPr>
-                      <a:r>
-                        <a:rPr lang="en-US" sz="800">
-                          <a:effectLst/>
-                        </a:rPr>
-                        <a:t>Sharing Files via GitHub and other services</a:t>
-                      </a:r>
-                      <a:endParaRPr lang="en-US" sz="700">
-                        <a:effectLst/>
-                        <a:latin typeface="Times New Roman" panose="02020603050405020304" pitchFamily="18" charset="0"/>
-                        <a:ea typeface="Times New Roman" panose="02020603050405020304" pitchFamily="18" charset="0"/>
-                      </a:endParaRPr>
-                    </a:p>
-                  </a:txBody>
-                  <a:tcPr marL="44955" marR="44955" marT="0" marB="0"/>
-                </a:tc>
-                <a:tc>
-                  <a:txBody>
-                    <a:bodyPr/>
-                    <a:lstStyle/>
-                    <a:p>
-                      <a:pPr marL="0" marR="0">
-                        <a:spcBef>
-                          <a:spcPts val="0"/>
-                        </a:spcBef>
-                        <a:spcAft>
-                          <a:spcPts val="0"/>
-                        </a:spcAft>
-                      </a:pPr>
-                      <a:r>
-                        <a:rPr lang="en-US" sz="800">
-                          <a:effectLst/>
-                        </a:rPr>
-                        <a:t>Occasional issues uploading and copying repository from GitHub </a:t>
-                      </a:r>
-                      <a:endParaRPr lang="en-US" sz="700">
-                        <a:effectLst/>
-                        <a:latin typeface="Times New Roman" panose="02020603050405020304" pitchFamily="18" charset="0"/>
-                        <a:ea typeface="Times New Roman" panose="02020603050405020304" pitchFamily="18" charset="0"/>
-                      </a:endParaRPr>
-                    </a:p>
-                  </a:txBody>
-                  <a:tcPr marL="44955" marR="44955" marT="0" marB="0"/>
-                </a:tc>
-                <a:tc>
-                  <a:txBody>
-                    <a:bodyPr/>
-                    <a:lstStyle/>
-                    <a:p>
-                      <a:pPr marL="0" marR="0">
-                        <a:spcBef>
-                          <a:spcPts val="0"/>
-                        </a:spcBef>
-                        <a:spcAft>
-                          <a:spcPts val="0"/>
-                        </a:spcAft>
-                      </a:pPr>
-                      <a:r>
-                        <a:rPr lang="en-US" sz="800">
-                          <a:effectLst/>
-                        </a:rPr>
-                        <a:t>Made early progress a bit more difficult, as unity files are not directly shareable in the same format at times</a:t>
-                      </a:r>
-                      <a:endParaRPr lang="en-US" sz="700">
-                        <a:effectLst/>
-                        <a:latin typeface="Times New Roman" panose="02020603050405020304" pitchFamily="18" charset="0"/>
-                        <a:ea typeface="Times New Roman" panose="02020603050405020304" pitchFamily="18" charset="0"/>
-                      </a:endParaRPr>
-                    </a:p>
-                  </a:txBody>
-                  <a:tcPr marL="44955" marR="44955" marT="0" marB="0"/>
-                </a:tc>
-                <a:tc>
-                  <a:txBody>
-                    <a:bodyPr/>
-                    <a:lstStyle/>
-                    <a:p>
-                      <a:pPr marL="0" marR="0">
-                        <a:spcBef>
-                          <a:spcPts val="0"/>
-                        </a:spcBef>
-                        <a:spcAft>
-                          <a:spcPts val="0"/>
-                        </a:spcAft>
-                      </a:pPr>
-                      <a:r>
-                        <a:rPr lang="en-US" sz="800">
-                          <a:effectLst/>
-                        </a:rPr>
-                        <a:t>The only real solution is patience and cooperation from all members involved.</a:t>
-                      </a:r>
-                      <a:endParaRPr lang="en-US" sz="700">
-                        <a:effectLst/>
-                        <a:latin typeface="Times New Roman" panose="02020603050405020304" pitchFamily="18" charset="0"/>
-                        <a:ea typeface="Times New Roman" panose="02020603050405020304" pitchFamily="18" charset="0"/>
-                      </a:endParaRPr>
-                    </a:p>
-                  </a:txBody>
-                  <a:tcPr marL="44955" marR="44955" marT="0" marB="0"/>
-                </a:tc>
-                <a:extLst>
-                  <a:ext uri="{0D108BD9-81ED-4DB2-BD59-A6C34878D82A}">
-                    <a16:rowId xmlns:a16="http://schemas.microsoft.com/office/drawing/2014/main" val="993278281"/>
-                  </a:ext>
-                </a:extLst>
-              </a:tr>
-              <a:tr h="132364">
-                <a:tc>
-                  <a:txBody>
-                    <a:bodyPr/>
-                    <a:lstStyle/>
-                    <a:p>
-                      <a:pPr marL="0" marR="0">
-                        <a:spcBef>
-                          <a:spcPts val="0"/>
-                        </a:spcBef>
-                        <a:spcAft>
-                          <a:spcPts val="0"/>
-                        </a:spcAft>
-                      </a:pPr>
-                      <a:r>
-                        <a:rPr lang="en-US" sz="800">
-                          <a:effectLst/>
-                        </a:rPr>
-                        <a:t> </a:t>
-                      </a:r>
-                      <a:endParaRPr lang="en-US" sz="700">
-                        <a:effectLst/>
-                        <a:latin typeface="Times New Roman" panose="02020603050405020304" pitchFamily="18" charset="0"/>
-                        <a:ea typeface="Times New Roman" panose="02020603050405020304" pitchFamily="18" charset="0"/>
-                      </a:endParaRPr>
-                    </a:p>
-                  </a:txBody>
-                  <a:tcPr marL="44955" marR="44955" marT="0" marB="0"/>
-                </a:tc>
-                <a:tc>
-                  <a:txBody>
-                    <a:bodyPr/>
-                    <a:lstStyle/>
-                    <a:p>
-                      <a:pPr marL="0" marR="0">
-                        <a:spcBef>
-                          <a:spcPts val="0"/>
-                        </a:spcBef>
-                        <a:spcAft>
-                          <a:spcPts val="0"/>
-                        </a:spcAft>
-                      </a:pPr>
-                      <a:r>
-                        <a:rPr lang="en-US" sz="800">
-                          <a:effectLst/>
-                        </a:rPr>
-                        <a:t> </a:t>
-                      </a:r>
-                      <a:endParaRPr lang="en-US" sz="700">
-                        <a:effectLst/>
-                        <a:latin typeface="Times New Roman" panose="02020603050405020304" pitchFamily="18" charset="0"/>
-                        <a:ea typeface="Times New Roman" panose="02020603050405020304" pitchFamily="18" charset="0"/>
-                      </a:endParaRPr>
-                    </a:p>
-                  </a:txBody>
-                  <a:tcPr marL="44955" marR="44955" marT="0" marB="0"/>
-                </a:tc>
-                <a:tc>
-                  <a:txBody>
-                    <a:bodyPr/>
-                    <a:lstStyle/>
-                    <a:p>
-                      <a:pPr marL="0" marR="0">
-                        <a:spcBef>
-                          <a:spcPts val="0"/>
-                        </a:spcBef>
-                        <a:spcAft>
-                          <a:spcPts val="0"/>
-                        </a:spcAft>
-                      </a:pPr>
-                      <a:r>
-                        <a:rPr lang="en-US" sz="800">
-                          <a:effectLst/>
-                        </a:rPr>
-                        <a:t> </a:t>
-                      </a:r>
-                      <a:endParaRPr lang="en-US" sz="700">
-                        <a:effectLst/>
-                        <a:latin typeface="Times New Roman" panose="02020603050405020304" pitchFamily="18" charset="0"/>
-                        <a:ea typeface="Times New Roman" panose="02020603050405020304" pitchFamily="18" charset="0"/>
-                      </a:endParaRPr>
-                    </a:p>
-                  </a:txBody>
-                  <a:tcPr marL="44955" marR="44955" marT="0" marB="0"/>
-                </a:tc>
-                <a:tc>
-                  <a:txBody>
-                    <a:bodyPr/>
-                    <a:lstStyle/>
-                    <a:p>
-                      <a:pPr marL="0" marR="0">
-                        <a:spcBef>
-                          <a:spcPts val="0"/>
-                        </a:spcBef>
-                        <a:spcAft>
-                          <a:spcPts val="0"/>
-                        </a:spcAft>
-                      </a:pPr>
-                      <a:r>
-                        <a:rPr lang="en-US" sz="800">
-                          <a:effectLst/>
-                        </a:rPr>
-                        <a:t> </a:t>
-                      </a:r>
-                      <a:endParaRPr lang="en-US" sz="700">
-                        <a:effectLst/>
-                        <a:latin typeface="Times New Roman" panose="02020603050405020304" pitchFamily="18" charset="0"/>
-                        <a:ea typeface="Times New Roman" panose="02020603050405020304" pitchFamily="18" charset="0"/>
-                      </a:endParaRPr>
-                    </a:p>
-                  </a:txBody>
-                  <a:tcPr marL="44955" marR="44955" marT="0" marB="0"/>
-                </a:tc>
-                <a:tc>
-                  <a:txBody>
-                    <a:bodyPr/>
-                    <a:lstStyle/>
-                    <a:p>
-                      <a:pPr marL="0" marR="0">
-                        <a:spcBef>
-                          <a:spcPts val="0"/>
-                        </a:spcBef>
-                        <a:spcAft>
-                          <a:spcPts val="0"/>
-                        </a:spcAft>
-                      </a:pPr>
-                      <a:r>
-                        <a:rPr lang="en-US" sz="800" dirty="0">
-                          <a:effectLst/>
-                        </a:rPr>
-                        <a:t> </a:t>
-                      </a:r>
-                      <a:endParaRPr lang="en-US" sz="700" dirty="0">
-                        <a:effectLst/>
-                        <a:latin typeface="Times New Roman" panose="02020603050405020304" pitchFamily="18" charset="0"/>
-                        <a:ea typeface="Times New Roman" panose="02020603050405020304" pitchFamily="18" charset="0"/>
-                      </a:endParaRPr>
-                    </a:p>
-                  </a:txBody>
-                  <a:tcPr marL="44955" marR="44955" marT="0" marB="0"/>
-                </a:tc>
-                <a:extLst>
-                  <a:ext uri="{0D108BD9-81ED-4DB2-BD59-A6C34878D82A}">
-                    <a16:rowId xmlns:a16="http://schemas.microsoft.com/office/drawing/2014/main" val="1424236091"/>
-                  </a:ext>
-                </a:extLst>
-              </a:tr>
-            </a:tbl>
-          </a:graphicData>
-        </a:graphic>
-      </p:graphicFrame>
-    </p:spTree>
-    <p:extLst>
-      <p:ext uri="{BB962C8B-B14F-4D97-AF65-F5344CB8AC3E}">
-        <p14:creationId xmlns:p14="http://schemas.microsoft.com/office/powerpoint/2010/main" val="2930064372"/>
       </p:ext>
     </p:extLst>
   </p:cSld>

--- a/Phase4docs/Phase 4 Presentation.pptx
+++ b/Phase4docs/Phase 4 Presentation.pptx
@@ -11230,14 +11230,14 @@
             <p:ph idx="1"/>
             <p:extLst>
               <p:ext uri="{D42A27DB-BD31-4B8C-83A1-F6EECF244321}">
-                <p14:modId xmlns:p14="http://schemas.microsoft.com/office/powerpoint/2010/main" val="714098575"/>
+                <p14:modId xmlns:p14="http://schemas.microsoft.com/office/powerpoint/2010/main" val="3409349953"/>
               </p:ext>
             </p:extLst>
           </p:nvPr>
         </p:nvGraphicFramePr>
         <p:xfrm>
-          <a:off x="2972894" y="452718"/>
-          <a:ext cx="7363801" cy="5952564"/>
+          <a:off x="2612674" y="1397842"/>
+          <a:ext cx="7363801" cy="4773968"/>
         </p:xfrm>
         <a:graphic>
           <a:graphicData uri="http://schemas.openxmlformats.org/drawingml/2006/table">
@@ -11246,21 +11246,21 @@
                 <a:tableStyleId>{5C22544A-7EE6-4342-B048-85BDC9FD1C3A}</a:tableStyleId>
               </a:tblPr>
               <a:tblGrid>
-                <a:gridCol w="741678">
+                <a:gridCol w="536926">
                   <a:extLst>
                     <a:ext uri="{9D8B030D-6E8A-4147-A177-3AD203B41FA5}">
                       <a16:colId xmlns:a16="http://schemas.microsoft.com/office/drawing/2014/main" val="2089021492"/>
                     </a:ext>
                   </a:extLst>
                 </a:gridCol>
-                <a:gridCol w="794654">
+                <a:gridCol w="831273">
                   <a:extLst>
                     <a:ext uri="{9D8B030D-6E8A-4147-A177-3AD203B41FA5}">
                       <a16:colId xmlns:a16="http://schemas.microsoft.com/office/drawing/2014/main" val="3106187825"/>
                     </a:ext>
                   </a:extLst>
                 </a:gridCol>
-                <a:gridCol w="927097">
+                <a:gridCol w="1095230">
                   <a:extLst>
                     <a:ext uri="{9D8B030D-6E8A-4147-A177-3AD203B41FA5}">
                       <a16:colId xmlns:a16="http://schemas.microsoft.com/office/drawing/2014/main" val="2433485627"/>
@@ -11318,12 +11318,12 @@
                         </a:spcAft>
                       </a:pPr>
                       <a:r>
-                        <a:rPr lang="en-US" sz="800">
+                        <a:rPr lang="en-US" sz="900">
                           <a:effectLst/>
                         </a:rPr>
                         <a:t>Change Log</a:t>
                       </a:r>
-                      <a:endParaRPr lang="en-US" sz="700">
+                      <a:endParaRPr lang="en-US" sz="800">
                         <a:effectLst/>
                         <a:latin typeface="Times New Roman" panose="02020603050405020304" pitchFamily="18" charset="0"/>
                         <a:ea typeface="Times New Roman" panose="02020603050405020304" pitchFamily="18" charset="0"/>
@@ -11423,12 +11423,12 @@
                         </a:spcAft>
                       </a:pPr>
                       <a:r>
-                        <a:rPr lang="en-US" sz="800">
+                        <a:rPr lang="en-US" sz="900">
                           <a:effectLst/>
                         </a:rPr>
                         <a:t>Project: Turn-Based Combat Game</a:t>
                       </a:r>
-                      <a:endParaRPr lang="en-US" sz="700">
+                      <a:endParaRPr lang="en-US" sz="800">
                         <a:effectLst/>
                         <a:latin typeface="Times New Roman" panose="02020603050405020304" pitchFamily="18" charset="0"/>
                         <a:ea typeface="Times New Roman" panose="02020603050405020304" pitchFamily="18" charset="0"/>
@@ -11501,12 +11501,12 @@
                         </a:spcAft>
                       </a:pPr>
                       <a:r>
-                        <a:rPr lang="en-US" sz="800">
+                        <a:rPr lang="en-US" sz="900">
                           <a:effectLst/>
                         </a:rPr>
                         <a:t>Date: 7/31/21</a:t>
                       </a:r>
-                      <a:endParaRPr lang="en-US" sz="700">
+                      <a:endParaRPr lang="en-US" sz="800">
                         <a:effectLst/>
                         <a:latin typeface="Times New Roman" panose="02020603050405020304" pitchFamily="18" charset="0"/>
                         <a:ea typeface="Times New Roman" panose="02020603050405020304" pitchFamily="18" charset="0"/>
@@ -11546,12 +11546,12 @@
                         </a:spcAft>
                       </a:pPr>
                       <a:r>
-                        <a:rPr lang="en-US" sz="700">
+                        <a:rPr lang="en-US" sz="800">
                           <a:effectLst/>
                         </a:rPr>
                         <a:t>Change No.</a:t>
                       </a:r>
-                      <a:endParaRPr lang="en-US" sz="700">
+                      <a:endParaRPr lang="en-US" sz="800">
                         <a:effectLst/>
                         <a:latin typeface="Times New Roman" panose="02020603050405020304" pitchFamily="18" charset="0"/>
                         <a:ea typeface="Times New Roman" panose="02020603050405020304" pitchFamily="18" charset="0"/>
@@ -11574,12 +11574,12 @@
                         </a:spcAft>
                       </a:pPr>
                       <a:r>
-                        <a:rPr lang="en-US" sz="700">
+                        <a:rPr lang="en-US" sz="800" dirty="0">
                           <a:effectLst/>
                         </a:rPr>
                         <a:t>Change Type</a:t>
                       </a:r>
-                      <a:endParaRPr lang="en-US" sz="700">
+                      <a:endParaRPr lang="en-US" sz="800" dirty="0">
                         <a:effectLst/>
                         <a:latin typeface="Times New Roman" panose="02020603050405020304" pitchFamily="18" charset="0"/>
                         <a:ea typeface="Times New Roman" panose="02020603050405020304" pitchFamily="18" charset="0"/>
@@ -11602,12 +11602,12 @@
                         </a:spcAft>
                       </a:pPr>
                       <a:r>
-                        <a:rPr lang="en-US" sz="700">
+                        <a:rPr lang="en-US" sz="800">
                           <a:effectLst/>
                         </a:rPr>
                         <a:t>Description of Change</a:t>
                       </a:r>
-                      <a:endParaRPr lang="en-US" sz="700">
+                      <a:endParaRPr lang="en-US" sz="800">
                         <a:effectLst/>
                         <a:latin typeface="Times New Roman" panose="02020603050405020304" pitchFamily="18" charset="0"/>
                         <a:ea typeface="Times New Roman" panose="02020603050405020304" pitchFamily="18" charset="0"/>
@@ -11630,12 +11630,12 @@
                         </a:spcAft>
                       </a:pPr>
                       <a:r>
-                        <a:rPr lang="en-US" sz="700">
+                        <a:rPr lang="en-US" sz="800">
                           <a:effectLst/>
                         </a:rPr>
                         <a:t>Requestor</a:t>
                       </a:r>
-                      <a:endParaRPr lang="en-US" sz="700">
+                      <a:endParaRPr lang="en-US" sz="800">
                         <a:effectLst/>
                         <a:latin typeface="Times New Roman" panose="02020603050405020304" pitchFamily="18" charset="0"/>
                         <a:ea typeface="Times New Roman" panose="02020603050405020304" pitchFamily="18" charset="0"/>
@@ -11658,12 +11658,12 @@
                         </a:spcAft>
                       </a:pPr>
                       <a:r>
-                        <a:rPr lang="en-US" sz="700">
+                        <a:rPr lang="en-US" sz="800">
                           <a:effectLst/>
                         </a:rPr>
                         <a:t>Date Submitted</a:t>
                       </a:r>
-                      <a:endParaRPr lang="en-US" sz="700">
+                      <a:endParaRPr lang="en-US" sz="800">
                         <a:effectLst/>
                         <a:latin typeface="Times New Roman" panose="02020603050405020304" pitchFamily="18" charset="0"/>
                         <a:ea typeface="Times New Roman" panose="02020603050405020304" pitchFamily="18" charset="0"/>
@@ -11686,12 +11686,12 @@
                         </a:spcAft>
                       </a:pPr>
                       <a:r>
-                        <a:rPr lang="en-US" sz="700">
+                        <a:rPr lang="en-US" sz="800">
                           <a:effectLst/>
                         </a:rPr>
                         <a:t>Date Approved</a:t>
                       </a:r>
-                      <a:endParaRPr lang="en-US" sz="700">
+                      <a:endParaRPr lang="en-US" sz="800">
                         <a:effectLst/>
                         <a:latin typeface="Times New Roman" panose="02020603050405020304" pitchFamily="18" charset="0"/>
                         <a:ea typeface="Times New Roman" panose="02020603050405020304" pitchFamily="18" charset="0"/>
@@ -11714,12 +11714,12 @@
                         </a:spcAft>
                       </a:pPr>
                       <a:r>
-                        <a:rPr lang="en-US" sz="700">
+                        <a:rPr lang="en-US" sz="800">
                           <a:effectLst/>
                         </a:rPr>
                         <a:t>Status</a:t>
                       </a:r>
-                      <a:endParaRPr lang="en-US" sz="700">
+                      <a:endParaRPr lang="en-US" sz="800">
                         <a:effectLst/>
                         <a:latin typeface="Times New Roman" panose="02020603050405020304" pitchFamily="18" charset="0"/>
                         <a:ea typeface="Times New Roman" panose="02020603050405020304" pitchFamily="18" charset="0"/>
@@ -11742,12 +11742,12 @@
                         </a:spcAft>
                       </a:pPr>
                       <a:r>
-                        <a:rPr lang="en-US" sz="700">
+                        <a:rPr lang="en-US" sz="800">
                           <a:effectLst/>
                         </a:rPr>
                         <a:t>Comments</a:t>
                       </a:r>
-                      <a:endParaRPr lang="en-US" sz="700">
+                      <a:endParaRPr lang="en-US" sz="800">
                         <a:effectLst/>
                         <a:latin typeface="Times New Roman" panose="02020603050405020304" pitchFamily="18" charset="0"/>
                         <a:ea typeface="Times New Roman" panose="02020603050405020304" pitchFamily="18" charset="0"/>
@@ -11762,7 +11762,7 @@
                   </a:ext>
                 </a:extLst>
               </a:tr>
-              <a:tr h="708698">
+              <a:tr h="542563">
                 <a:tc>
                   <a:txBody>
                     <a:bodyPr/>
@@ -11777,12 +11777,12 @@
                         </a:spcAft>
                       </a:pPr>
                       <a:r>
-                        <a:rPr lang="en-US" sz="700">
+                        <a:rPr lang="en-US" sz="800">
                           <a:effectLst/>
                         </a:rPr>
                         <a:t>1</a:t>
                       </a:r>
-                      <a:endParaRPr lang="en-US" sz="700">
+                      <a:endParaRPr lang="en-US" sz="800">
                         <a:effectLst/>
                         <a:latin typeface="Times New Roman" panose="02020603050405020304" pitchFamily="18" charset="0"/>
                         <a:ea typeface="Times New Roman" panose="02020603050405020304" pitchFamily="18" charset="0"/>
@@ -11805,12 +11805,12 @@
                         </a:spcAft>
                       </a:pPr>
                       <a:r>
-                        <a:rPr lang="en-US" sz="700">
+                        <a:rPr lang="en-US" sz="800">
                           <a:effectLst/>
                         </a:rPr>
                         <a:t>Design/Scope</a:t>
                       </a:r>
-                      <a:endParaRPr lang="en-US" sz="700">
+                      <a:endParaRPr lang="en-US" sz="800">
                         <a:effectLst/>
                         <a:latin typeface="Times New Roman" panose="02020603050405020304" pitchFamily="18" charset="0"/>
                         <a:ea typeface="Times New Roman" panose="02020603050405020304" pitchFamily="18" charset="0"/>
@@ -11833,12 +11833,12 @@
                         </a:spcAft>
                       </a:pPr>
                       <a:r>
-                        <a:rPr lang="en-US" sz="700">
+                        <a:rPr lang="en-US" sz="800">
                           <a:effectLst/>
                         </a:rPr>
                         <a:t>The removal of an additional combat arena </a:t>
                       </a:r>
-                      <a:endParaRPr lang="en-US" sz="700">
+                      <a:endParaRPr lang="en-US" sz="800">
                         <a:effectLst/>
                         <a:latin typeface="Times New Roman" panose="02020603050405020304" pitchFamily="18" charset="0"/>
                         <a:ea typeface="Times New Roman" panose="02020603050405020304" pitchFamily="18" charset="0"/>
@@ -11861,12 +11861,12 @@
                         </a:spcAft>
                       </a:pPr>
                       <a:r>
-                        <a:rPr lang="en-US" sz="700">
+                        <a:rPr lang="en-US" sz="800">
                           <a:effectLst/>
                         </a:rPr>
                         <a:t>Sam M.</a:t>
                       </a:r>
-                      <a:endParaRPr lang="en-US" sz="700">
+                      <a:endParaRPr lang="en-US" sz="800">
                         <a:effectLst/>
                         <a:latin typeface="Times New Roman" panose="02020603050405020304" pitchFamily="18" charset="0"/>
                         <a:ea typeface="Times New Roman" panose="02020603050405020304" pitchFamily="18" charset="0"/>
@@ -11889,12 +11889,12 @@
                         </a:spcAft>
                       </a:pPr>
                       <a:r>
-                        <a:rPr lang="en-US" sz="700">
+                        <a:rPr lang="en-US" sz="800">
                           <a:effectLst/>
                         </a:rPr>
                         <a:t>7/3/21</a:t>
                       </a:r>
-                      <a:endParaRPr lang="en-US" sz="700">
+                      <a:endParaRPr lang="en-US" sz="800">
                         <a:effectLst/>
                         <a:latin typeface="Times New Roman" panose="02020603050405020304" pitchFamily="18" charset="0"/>
                         <a:ea typeface="Times New Roman" panose="02020603050405020304" pitchFamily="18" charset="0"/>
@@ -11917,12 +11917,12 @@
                         </a:spcAft>
                       </a:pPr>
                       <a:r>
-                        <a:rPr lang="en-US" sz="700">
+                        <a:rPr lang="en-US" sz="800">
                           <a:effectLst/>
                         </a:rPr>
                         <a:t>7/3/21</a:t>
                       </a:r>
-                      <a:endParaRPr lang="en-US" sz="700">
+                      <a:endParaRPr lang="en-US" sz="800">
                         <a:effectLst/>
                         <a:latin typeface="Times New Roman" panose="02020603050405020304" pitchFamily="18" charset="0"/>
                         <a:ea typeface="Times New Roman" panose="02020603050405020304" pitchFamily="18" charset="0"/>
@@ -11945,12 +11945,12 @@
                         </a:spcAft>
                       </a:pPr>
                       <a:r>
-                        <a:rPr lang="en-US" sz="700">
+                        <a:rPr lang="en-US" sz="800">
                           <a:effectLst/>
                         </a:rPr>
                         <a:t>Approved</a:t>
                       </a:r>
-                      <a:endParaRPr lang="en-US" sz="700">
+                      <a:endParaRPr lang="en-US" sz="800">
                         <a:effectLst/>
                         <a:latin typeface="Times New Roman" panose="02020603050405020304" pitchFamily="18" charset="0"/>
                         <a:ea typeface="Times New Roman" panose="02020603050405020304" pitchFamily="18" charset="0"/>
@@ -11973,12 +11973,12 @@
                         </a:spcAft>
                       </a:pPr>
                       <a:r>
-                        <a:rPr lang="en-US" sz="700">
+                        <a:rPr lang="en-US" sz="800">
                           <a:effectLst/>
                         </a:rPr>
                         <a:t>No additional combat arenas were added to the game due to time constraints</a:t>
                       </a:r>
-                      <a:endParaRPr lang="en-US" sz="700">
+                      <a:endParaRPr lang="en-US" sz="800">
                         <a:effectLst/>
                         <a:latin typeface="Times New Roman" panose="02020603050405020304" pitchFamily="18" charset="0"/>
                         <a:ea typeface="Times New Roman" panose="02020603050405020304" pitchFamily="18" charset="0"/>
@@ -11993,7 +11993,7 @@
                   </a:ext>
                 </a:extLst>
               </a:tr>
-              <a:tr h="826815">
+              <a:tr h="554182">
                 <a:tc>
                   <a:txBody>
                     <a:bodyPr/>
@@ -12008,12 +12008,12 @@
                         </a:spcAft>
                       </a:pPr>
                       <a:r>
-                        <a:rPr lang="en-US" sz="700">
+                        <a:rPr lang="en-US" sz="800">
                           <a:effectLst/>
                         </a:rPr>
                         <a:t>2</a:t>
                       </a:r>
-                      <a:endParaRPr lang="en-US" sz="700">
+                      <a:endParaRPr lang="en-US" sz="800">
                         <a:effectLst/>
                         <a:latin typeface="Times New Roman" panose="02020603050405020304" pitchFamily="18" charset="0"/>
                         <a:ea typeface="Times New Roman" panose="02020603050405020304" pitchFamily="18" charset="0"/>
@@ -12036,12 +12036,12 @@
                         </a:spcAft>
                       </a:pPr>
                       <a:r>
-                        <a:rPr lang="en-US" sz="700">
+                        <a:rPr lang="en-US" sz="800">
                           <a:effectLst/>
                         </a:rPr>
                         <a:t>Design/Scope</a:t>
                       </a:r>
-                      <a:endParaRPr lang="en-US" sz="700">
+                      <a:endParaRPr lang="en-US" sz="800">
                         <a:effectLst/>
                         <a:latin typeface="Times New Roman" panose="02020603050405020304" pitchFamily="18" charset="0"/>
                         <a:ea typeface="Times New Roman" panose="02020603050405020304" pitchFamily="18" charset="0"/>
@@ -12064,12 +12064,12 @@
                         </a:spcAft>
                       </a:pPr>
                       <a:r>
-                        <a:rPr lang="en-US" sz="700">
+                        <a:rPr lang="en-US" sz="800">
                           <a:effectLst/>
                         </a:rPr>
                         <a:t>Change from using MySQL for the database to Google Firebase</a:t>
                       </a:r>
-                      <a:endParaRPr lang="en-US" sz="700">
+                      <a:endParaRPr lang="en-US" sz="800">
                         <a:effectLst/>
                         <a:latin typeface="Times New Roman" panose="02020603050405020304" pitchFamily="18" charset="0"/>
                         <a:ea typeface="Times New Roman" panose="02020603050405020304" pitchFamily="18" charset="0"/>
@@ -12092,12 +12092,12 @@
                         </a:spcAft>
                       </a:pPr>
                       <a:r>
-                        <a:rPr lang="en-US" sz="700">
+                        <a:rPr lang="en-US" sz="800">
                           <a:effectLst/>
                         </a:rPr>
                         <a:t>Kaitlyn S.</a:t>
                       </a:r>
-                      <a:endParaRPr lang="en-US" sz="700">
+                      <a:endParaRPr lang="en-US" sz="800">
                         <a:effectLst/>
                         <a:latin typeface="Times New Roman" panose="02020603050405020304" pitchFamily="18" charset="0"/>
                         <a:ea typeface="Times New Roman" panose="02020603050405020304" pitchFamily="18" charset="0"/>
@@ -12120,12 +12120,12 @@
                         </a:spcAft>
                       </a:pPr>
                       <a:r>
-                        <a:rPr lang="en-US" sz="700">
+                        <a:rPr lang="en-US" sz="800">
                           <a:effectLst/>
                         </a:rPr>
                         <a:t>7/5/21</a:t>
                       </a:r>
-                      <a:endParaRPr lang="en-US" sz="700">
+                      <a:endParaRPr lang="en-US" sz="800">
                         <a:effectLst/>
                         <a:latin typeface="Times New Roman" panose="02020603050405020304" pitchFamily="18" charset="0"/>
                         <a:ea typeface="Times New Roman" panose="02020603050405020304" pitchFamily="18" charset="0"/>
@@ -12148,12 +12148,12 @@
                         </a:spcAft>
                       </a:pPr>
                       <a:r>
-                        <a:rPr lang="en-US" sz="700">
+                        <a:rPr lang="en-US" sz="800">
                           <a:effectLst/>
                         </a:rPr>
                         <a:t>7/16/21</a:t>
                       </a:r>
-                      <a:endParaRPr lang="en-US" sz="700">
+                      <a:endParaRPr lang="en-US" sz="800">
                         <a:effectLst/>
                         <a:latin typeface="Times New Roman" panose="02020603050405020304" pitchFamily="18" charset="0"/>
                         <a:ea typeface="Times New Roman" panose="02020603050405020304" pitchFamily="18" charset="0"/>
@@ -12176,12 +12176,12 @@
                         </a:spcAft>
                       </a:pPr>
                       <a:r>
-                        <a:rPr lang="en-US" sz="700">
+                        <a:rPr lang="en-US" sz="800">
                           <a:effectLst/>
                         </a:rPr>
                         <a:t>Approved</a:t>
                       </a:r>
-                      <a:endParaRPr lang="en-US" sz="700">
+                      <a:endParaRPr lang="en-US" sz="800">
                         <a:effectLst/>
                         <a:latin typeface="Times New Roman" panose="02020603050405020304" pitchFamily="18" charset="0"/>
                         <a:ea typeface="Times New Roman" panose="02020603050405020304" pitchFamily="18" charset="0"/>
@@ -12204,12 +12204,12 @@
                         </a:spcAft>
                       </a:pPr>
                       <a:r>
-                        <a:rPr lang="en-US" sz="700">
+                        <a:rPr lang="en-US" sz="800">
                           <a:effectLst/>
                         </a:rPr>
                         <a:t>Change made due to cost and time constraints, as well as ease of use for the developers and end user</a:t>
                       </a:r>
-                      <a:endParaRPr lang="en-US" sz="700">
+                      <a:endParaRPr lang="en-US" sz="800">
                         <a:effectLst/>
                         <a:latin typeface="Times New Roman" panose="02020603050405020304" pitchFamily="18" charset="0"/>
                         <a:ea typeface="Times New Roman" panose="02020603050405020304" pitchFamily="18" charset="0"/>
@@ -12224,7 +12224,7 @@
                   </a:ext>
                 </a:extLst>
               </a:tr>
-              <a:tr h="944931">
+              <a:tr h="655782">
                 <a:tc>
                   <a:txBody>
                     <a:bodyPr/>
@@ -12239,12 +12239,12 @@
                         </a:spcAft>
                       </a:pPr>
                       <a:r>
-                        <a:rPr lang="en-US" sz="700">
+                        <a:rPr lang="en-US" sz="800">
                           <a:effectLst/>
                         </a:rPr>
                         <a:t>3</a:t>
                       </a:r>
-                      <a:endParaRPr lang="en-US" sz="700">
+                      <a:endParaRPr lang="en-US" sz="800">
                         <a:effectLst/>
                         <a:latin typeface="Times New Roman" panose="02020603050405020304" pitchFamily="18" charset="0"/>
                         <a:ea typeface="Times New Roman" panose="02020603050405020304" pitchFamily="18" charset="0"/>
@@ -12267,12 +12267,12 @@
                         </a:spcAft>
                       </a:pPr>
                       <a:r>
-                        <a:rPr lang="en-US" sz="700">
+                        <a:rPr lang="en-US" sz="800">
                           <a:effectLst/>
                         </a:rPr>
                         <a:t>Design/Scope</a:t>
                       </a:r>
-                      <a:endParaRPr lang="en-US" sz="700">
+                      <a:endParaRPr lang="en-US" sz="800">
                         <a:effectLst/>
                         <a:latin typeface="Times New Roman" panose="02020603050405020304" pitchFamily="18" charset="0"/>
                         <a:ea typeface="Times New Roman" panose="02020603050405020304" pitchFamily="18" charset="0"/>
@@ -12295,12 +12295,12 @@
                         </a:spcAft>
                       </a:pPr>
                       <a:r>
-                        <a:rPr lang="en-US" sz="700">
+                        <a:rPr lang="en-US" sz="800">
                           <a:effectLst/>
                         </a:rPr>
                         <a:t>Open world environment and related gameplay elements scrapped</a:t>
                       </a:r>
-                      <a:endParaRPr lang="en-US" sz="700">
+                      <a:endParaRPr lang="en-US" sz="800">
                         <a:effectLst/>
                         <a:latin typeface="Times New Roman" panose="02020603050405020304" pitchFamily="18" charset="0"/>
                         <a:ea typeface="Times New Roman" panose="02020603050405020304" pitchFamily="18" charset="0"/>
@@ -12323,12 +12323,12 @@
                         </a:spcAft>
                       </a:pPr>
                       <a:r>
-                        <a:rPr lang="en-US" sz="700">
+                        <a:rPr lang="en-US" sz="800">
                           <a:effectLst/>
                         </a:rPr>
                         <a:t>Sam M.</a:t>
                       </a:r>
-                      <a:endParaRPr lang="en-US" sz="700">
+                      <a:endParaRPr lang="en-US" sz="800">
                         <a:effectLst/>
                         <a:latin typeface="Times New Roman" panose="02020603050405020304" pitchFamily="18" charset="0"/>
                         <a:ea typeface="Times New Roman" panose="02020603050405020304" pitchFamily="18" charset="0"/>
@@ -12351,12 +12351,12 @@
                         </a:spcAft>
                       </a:pPr>
                       <a:r>
-                        <a:rPr lang="en-US" sz="700">
+                        <a:rPr lang="en-US" sz="800">
                           <a:effectLst/>
                         </a:rPr>
                         <a:t>6/7/21</a:t>
                       </a:r>
-                      <a:endParaRPr lang="en-US" sz="700">
+                      <a:endParaRPr lang="en-US" sz="800">
                         <a:effectLst/>
                         <a:latin typeface="Times New Roman" panose="02020603050405020304" pitchFamily="18" charset="0"/>
                         <a:ea typeface="Times New Roman" panose="02020603050405020304" pitchFamily="18" charset="0"/>
@@ -12379,12 +12379,12 @@
                         </a:spcAft>
                       </a:pPr>
                       <a:r>
-                        <a:rPr lang="en-US" sz="700">
+                        <a:rPr lang="en-US" sz="800">
                           <a:effectLst/>
                         </a:rPr>
                         <a:t>6/7/21</a:t>
                       </a:r>
-                      <a:endParaRPr lang="en-US" sz="700">
+                      <a:endParaRPr lang="en-US" sz="800">
                         <a:effectLst/>
                         <a:latin typeface="Times New Roman" panose="02020603050405020304" pitchFamily="18" charset="0"/>
                         <a:ea typeface="Times New Roman" panose="02020603050405020304" pitchFamily="18" charset="0"/>
@@ -12407,12 +12407,12 @@
                         </a:spcAft>
                       </a:pPr>
                       <a:r>
-                        <a:rPr lang="en-US" sz="700">
+                        <a:rPr lang="en-US" sz="800">
                           <a:effectLst/>
                         </a:rPr>
                         <a:t>Approved</a:t>
                       </a:r>
-                      <a:endParaRPr lang="en-US" sz="700">
+                      <a:endParaRPr lang="en-US" sz="800">
                         <a:effectLst/>
                         <a:latin typeface="Times New Roman" panose="02020603050405020304" pitchFamily="18" charset="0"/>
                         <a:ea typeface="Times New Roman" panose="02020603050405020304" pitchFamily="18" charset="0"/>
@@ -12435,12 +12435,12 @@
                         </a:spcAft>
                       </a:pPr>
                       <a:r>
-                        <a:rPr lang="en-US" sz="700">
+                        <a:rPr lang="en-US" sz="800">
                           <a:effectLst/>
                         </a:rPr>
                         <a:t>Open world concept scrapped due to concerns of exceeding the scope of the game design</a:t>
                       </a:r>
-                      <a:endParaRPr lang="en-US" sz="700">
+                      <a:endParaRPr lang="en-US" sz="800">
                         <a:effectLst/>
                         <a:latin typeface="Times New Roman" panose="02020603050405020304" pitchFamily="18" charset="0"/>
                         <a:ea typeface="Times New Roman" panose="02020603050405020304" pitchFamily="18" charset="0"/>
@@ -12455,7 +12455,7 @@
                   </a:ext>
                 </a:extLst>
               </a:tr>
-              <a:tr h="944931">
+              <a:tr h="609600">
                 <a:tc>
                   <a:txBody>
                     <a:bodyPr/>
@@ -12470,12 +12470,12 @@
                         </a:spcAft>
                       </a:pPr>
                       <a:r>
-                        <a:rPr lang="en-US" sz="700">
+                        <a:rPr lang="en-US" sz="800">
                           <a:effectLst/>
                         </a:rPr>
                         <a:t>4</a:t>
                       </a:r>
-                      <a:endParaRPr lang="en-US" sz="700">
+                      <a:endParaRPr lang="en-US" sz="800">
                         <a:effectLst/>
                         <a:latin typeface="Times New Roman" panose="02020603050405020304" pitchFamily="18" charset="0"/>
                         <a:ea typeface="Times New Roman" panose="02020603050405020304" pitchFamily="18" charset="0"/>
@@ -12498,12 +12498,12 @@
                         </a:spcAft>
                       </a:pPr>
                       <a:r>
-                        <a:rPr lang="en-US" sz="700">
+                        <a:rPr lang="en-US" sz="800">
                           <a:effectLst/>
                         </a:rPr>
                         <a:t>Design/Scope</a:t>
                       </a:r>
-                      <a:endParaRPr lang="en-US" sz="700">
+                      <a:endParaRPr lang="en-US" sz="800">
                         <a:effectLst/>
                         <a:latin typeface="Times New Roman" panose="02020603050405020304" pitchFamily="18" charset="0"/>
                         <a:ea typeface="Times New Roman" panose="02020603050405020304" pitchFamily="18" charset="0"/>
@@ -12526,12 +12526,12 @@
                         </a:spcAft>
                       </a:pPr>
                       <a:r>
-                        <a:rPr lang="en-US" sz="700">
+                        <a:rPr lang="en-US" sz="800">
                           <a:effectLst/>
                         </a:rPr>
                         <a:t>Scrapping character customization/multiple characters per player</a:t>
                       </a:r>
-                      <a:endParaRPr lang="en-US" sz="700">
+                      <a:endParaRPr lang="en-US" sz="800">
                         <a:effectLst/>
                         <a:latin typeface="Times New Roman" panose="02020603050405020304" pitchFamily="18" charset="0"/>
                         <a:ea typeface="Times New Roman" panose="02020603050405020304" pitchFamily="18" charset="0"/>
@@ -12554,12 +12554,12 @@
                         </a:spcAft>
                       </a:pPr>
                       <a:r>
-                        <a:rPr lang="en-US" sz="700">
+                        <a:rPr lang="en-US" sz="800">
                           <a:effectLst/>
                         </a:rPr>
                         <a:t>Kaitlyn S. and Alton S.</a:t>
                       </a:r>
-                      <a:endParaRPr lang="en-US" sz="700">
+                      <a:endParaRPr lang="en-US" sz="800">
                         <a:effectLst/>
                         <a:latin typeface="Times New Roman" panose="02020603050405020304" pitchFamily="18" charset="0"/>
                         <a:ea typeface="Times New Roman" panose="02020603050405020304" pitchFamily="18" charset="0"/>
@@ -12582,12 +12582,12 @@
                         </a:spcAft>
                       </a:pPr>
                       <a:r>
-                        <a:rPr lang="en-US" sz="700">
+                        <a:rPr lang="en-US" sz="800">
                           <a:effectLst/>
                         </a:rPr>
                         <a:t>7/10/21</a:t>
                       </a:r>
-                      <a:endParaRPr lang="en-US" sz="700">
+                      <a:endParaRPr lang="en-US" sz="800">
                         <a:effectLst/>
                         <a:latin typeface="Times New Roman" panose="02020603050405020304" pitchFamily="18" charset="0"/>
                         <a:ea typeface="Times New Roman" panose="02020603050405020304" pitchFamily="18" charset="0"/>
@@ -12610,12 +12610,12 @@
                         </a:spcAft>
                       </a:pPr>
                       <a:r>
-                        <a:rPr lang="en-US" sz="700">
+                        <a:rPr lang="en-US" sz="800">
                           <a:effectLst/>
                         </a:rPr>
                         <a:t>7/10/21</a:t>
                       </a:r>
-                      <a:endParaRPr lang="en-US" sz="700">
+                      <a:endParaRPr lang="en-US" sz="800">
                         <a:effectLst/>
                         <a:latin typeface="Times New Roman" panose="02020603050405020304" pitchFamily="18" charset="0"/>
                         <a:ea typeface="Times New Roman" panose="02020603050405020304" pitchFamily="18" charset="0"/>
@@ -12638,12 +12638,12 @@
                         </a:spcAft>
                       </a:pPr>
                       <a:r>
-                        <a:rPr lang="en-US" sz="700">
+                        <a:rPr lang="en-US" sz="800">
                           <a:effectLst/>
                         </a:rPr>
                         <a:t>Approved</a:t>
                       </a:r>
-                      <a:endParaRPr lang="en-US" sz="700">
+                      <a:endParaRPr lang="en-US" sz="800">
                         <a:effectLst/>
                         <a:latin typeface="Times New Roman" panose="02020603050405020304" pitchFamily="18" charset="0"/>
                         <a:ea typeface="Times New Roman" panose="02020603050405020304" pitchFamily="18" charset="0"/>
@@ -12666,12 +12666,12 @@
                         </a:spcAft>
                       </a:pPr>
                       <a:r>
-                        <a:rPr lang="en-US" sz="700">
+                        <a:rPr lang="en-US" sz="800">
                           <a:effectLst/>
                         </a:rPr>
                         <a:t>Scrapped due to technical difficulties for KS and AS developing backend systems </a:t>
                       </a:r>
-                      <a:endParaRPr lang="en-US" sz="700">
+                      <a:endParaRPr lang="en-US" sz="800">
                         <a:effectLst/>
                         <a:latin typeface="Times New Roman" panose="02020603050405020304" pitchFamily="18" charset="0"/>
                         <a:ea typeface="Times New Roman" panose="02020603050405020304" pitchFamily="18" charset="0"/>
@@ -12686,7 +12686,7 @@
                   </a:ext>
                 </a:extLst>
               </a:tr>
-              <a:tr h="1063047">
+              <a:tr h="554181">
                 <a:tc>
                   <a:txBody>
                     <a:bodyPr/>
@@ -12701,12 +12701,12 @@
                         </a:spcAft>
                       </a:pPr>
                       <a:r>
-                        <a:rPr lang="en-US" sz="700">
+                        <a:rPr lang="en-US" sz="800">
                           <a:effectLst/>
                         </a:rPr>
                         <a:t>5</a:t>
                       </a:r>
-                      <a:endParaRPr lang="en-US" sz="700">
+                      <a:endParaRPr lang="en-US" sz="800">
                         <a:effectLst/>
                         <a:latin typeface="Times New Roman" panose="02020603050405020304" pitchFamily="18" charset="0"/>
                         <a:ea typeface="Times New Roman" panose="02020603050405020304" pitchFamily="18" charset="0"/>
@@ -12729,12 +12729,12 @@
                         </a:spcAft>
                       </a:pPr>
                       <a:r>
-                        <a:rPr lang="en-US" sz="700">
+                        <a:rPr lang="en-US" sz="800">
                           <a:effectLst/>
                         </a:rPr>
                         <a:t>Design/Scope</a:t>
                       </a:r>
-                      <a:endParaRPr lang="en-US" sz="700">
+                      <a:endParaRPr lang="en-US" sz="800">
                         <a:effectLst/>
                         <a:latin typeface="Times New Roman" panose="02020603050405020304" pitchFamily="18" charset="0"/>
                         <a:ea typeface="Times New Roman" panose="02020603050405020304" pitchFamily="18" charset="0"/>
@@ -12757,12 +12757,12 @@
                         </a:spcAft>
                       </a:pPr>
                       <a:r>
-                        <a:rPr lang="en-US" sz="700">
+                        <a:rPr lang="en-US" sz="800">
                           <a:effectLst/>
                         </a:rPr>
                         <a:t>Removing the requirement for a Google account for player signup</a:t>
                       </a:r>
-                      <a:endParaRPr lang="en-US" sz="700">
+                      <a:endParaRPr lang="en-US" sz="800">
                         <a:effectLst/>
                         <a:latin typeface="Times New Roman" panose="02020603050405020304" pitchFamily="18" charset="0"/>
                         <a:ea typeface="Times New Roman" panose="02020603050405020304" pitchFamily="18" charset="0"/>
@@ -12785,12 +12785,12 @@
                         </a:spcAft>
                       </a:pPr>
                       <a:r>
-                        <a:rPr lang="en-US" sz="700">
+                        <a:rPr lang="en-US" sz="800">
                           <a:effectLst/>
                         </a:rPr>
                         <a:t>Kaitlyn S</a:t>
                       </a:r>
-                      <a:endParaRPr lang="en-US" sz="700">
+                      <a:endParaRPr lang="en-US" sz="800">
                         <a:effectLst/>
                         <a:latin typeface="Times New Roman" panose="02020603050405020304" pitchFamily="18" charset="0"/>
                         <a:ea typeface="Times New Roman" panose="02020603050405020304" pitchFamily="18" charset="0"/>
@@ -12813,12 +12813,12 @@
                         </a:spcAft>
                       </a:pPr>
                       <a:r>
-                        <a:rPr lang="en-US" sz="700">
+                        <a:rPr lang="en-US" sz="800">
                           <a:effectLst/>
                         </a:rPr>
                         <a:t>7/3/21</a:t>
                       </a:r>
-                      <a:endParaRPr lang="en-US" sz="700">
+                      <a:endParaRPr lang="en-US" sz="800">
                         <a:effectLst/>
                         <a:latin typeface="Times New Roman" panose="02020603050405020304" pitchFamily="18" charset="0"/>
                         <a:ea typeface="Times New Roman" panose="02020603050405020304" pitchFamily="18" charset="0"/>
@@ -12841,12 +12841,12 @@
                         </a:spcAft>
                       </a:pPr>
                       <a:r>
-                        <a:rPr lang="en-US" sz="700">
+                        <a:rPr lang="en-US" sz="800">
                           <a:effectLst/>
                         </a:rPr>
                         <a:t>7/10/21</a:t>
                       </a:r>
-                      <a:endParaRPr lang="en-US" sz="700">
+                      <a:endParaRPr lang="en-US" sz="800">
                         <a:effectLst/>
                         <a:latin typeface="Times New Roman" panose="02020603050405020304" pitchFamily="18" charset="0"/>
                         <a:ea typeface="Times New Roman" panose="02020603050405020304" pitchFamily="18" charset="0"/>
@@ -12869,12 +12869,12 @@
                         </a:spcAft>
                       </a:pPr>
                       <a:r>
-                        <a:rPr lang="en-US" sz="700">
+                        <a:rPr lang="en-US" sz="800">
                           <a:effectLst/>
                         </a:rPr>
                         <a:t>Approved</a:t>
                       </a:r>
-                      <a:endParaRPr lang="en-US" sz="700">
+                      <a:endParaRPr lang="en-US" sz="800">
                         <a:effectLst/>
                         <a:latin typeface="Times New Roman" panose="02020603050405020304" pitchFamily="18" charset="0"/>
                         <a:ea typeface="Times New Roman" panose="02020603050405020304" pitchFamily="18" charset="0"/>
@@ -12897,12 +12897,12 @@
                         </a:spcAft>
                       </a:pPr>
                       <a:r>
-                        <a:rPr lang="en-US" sz="700">
+                        <a:rPr lang="en-US" sz="800">
                           <a:effectLst/>
                         </a:rPr>
                         <a:t>The requirement of a Google account to create an account in game scrapped due to technical limitations</a:t>
                       </a:r>
-                      <a:endParaRPr lang="en-US" sz="700">
+                      <a:endParaRPr lang="en-US" sz="800">
                         <a:effectLst/>
                         <a:latin typeface="Times New Roman" panose="02020603050405020304" pitchFamily="18" charset="0"/>
                         <a:ea typeface="Times New Roman" panose="02020603050405020304" pitchFamily="18" charset="0"/>
@@ -12917,7 +12917,7 @@
                   </a:ext>
                 </a:extLst>
               </a:tr>
-              <a:tr h="826815">
+              <a:tr h="535710">
                 <a:tc>
                   <a:txBody>
                     <a:bodyPr/>
@@ -12932,12 +12932,12 @@
                         </a:spcAft>
                       </a:pPr>
                       <a:r>
-                        <a:rPr lang="en-US" sz="700">
+                        <a:rPr lang="en-US" sz="800" dirty="0">
                           <a:effectLst/>
                         </a:rPr>
                         <a:t>6</a:t>
                       </a:r>
-                      <a:endParaRPr lang="en-US" sz="700">
+                      <a:endParaRPr lang="en-US" sz="800" dirty="0">
                         <a:effectLst/>
                         <a:latin typeface="Times New Roman" panose="02020603050405020304" pitchFamily="18" charset="0"/>
                         <a:ea typeface="Times New Roman" panose="02020603050405020304" pitchFamily="18" charset="0"/>
@@ -12960,12 +12960,12 @@
                         </a:spcAft>
                       </a:pPr>
                       <a:r>
-                        <a:rPr lang="en-US" sz="700">
+                        <a:rPr lang="en-US" sz="800" dirty="0">
                           <a:effectLst/>
                         </a:rPr>
                         <a:t>Design/Scope</a:t>
                       </a:r>
-                      <a:endParaRPr lang="en-US" sz="700">
+                      <a:endParaRPr lang="en-US" sz="800" dirty="0">
                         <a:effectLst/>
                         <a:latin typeface="Times New Roman" panose="02020603050405020304" pitchFamily="18" charset="0"/>
                         <a:ea typeface="Times New Roman" panose="02020603050405020304" pitchFamily="18" charset="0"/>
@@ -12988,12 +12988,12 @@
                         </a:spcAft>
                       </a:pPr>
                       <a:r>
-                        <a:rPr lang="en-US" sz="700">
+                        <a:rPr lang="en-US" sz="800" dirty="0">
                           <a:effectLst/>
                         </a:rPr>
                         <a:t>Scrapped the addition of an “endless” game mode </a:t>
                       </a:r>
-                      <a:endParaRPr lang="en-US" sz="700">
+                      <a:endParaRPr lang="en-US" sz="800" dirty="0">
                         <a:effectLst/>
                         <a:latin typeface="Times New Roman" panose="02020603050405020304" pitchFamily="18" charset="0"/>
                         <a:ea typeface="Times New Roman" panose="02020603050405020304" pitchFamily="18" charset="0"/>
@@ -13016,12 +13016,12 @@
                         </a:spcAft>
                       </a:pPr>
                       <a:r>
-                        <a:rPr lang="en-US" sz="700">
+                        <a:rPr lang="en-US" sz="800">
                           <a:effectLst/>
                         </a:rPr>
                         <a:t>Shane C.</a:t>
                       </a:r>
-                      <a:endParaRPr lang="en-US" sz="700">
+                      <a:endParaRPr lang="en-US" sz="800">
                         <a:effectLst/>
                         <a:latin typeface="Times New Roman" panose="02020603050405020304" pitchFamily="18" charset="0"/>
                         <a:ea typeface="Times New Roman" panose="02020603050405020304" pitchFamily="18" charset="0"/>
@@ -13044,12 +13044,12 @@
                         </a:spcAft>
                       </a:pPr>
                       <a:r>
-                        <a:rPr lang="en-US" sz="700">
+                        <a:rPr lang="en-US" sz="800">
                           <a:effectLst/>
                         </a:rPr>
                         <a:t>6/21/21</a:t>
                       </a:r>
-                      <a:endParaRPr lang="en-US" sz="700">
+                      <a:endParaRPr lang="en-US" sz="800">
                         <a:effectLst/>
                         <a:latin typeface="Times New Roman" panose="02020603050405020304" pitchFamily="18" charset="0"/>
                         <a:ea typeface="Times New Roman" panose="02020603050405020304" pitchFamily="18" charset="0"/>
@@ -13072,12 +13072,12 @@
                         </a:spcAft>
                       </a:pPr>
                       <a:r>
-                        <a:rPr lang="en-US" sz="700">
+                        <a:rPr lang="en-US" sz="800">
                           <a:effectLst/>
                         </a:rPr>
                         <a:t>6/21/21</a:t>
                       </a:r>
-                      <a:endParaRPr lang="en-US" sz="700">
+                      <a:endParaRPr lang="en-US" sz="800">
                         <a:effectLst/>
                         <a:latin typeface="Times New Roman" panose="02020603050405020304" pitchFamily="18" charset="0"/>
                         <a:ea typeface="Times New Roman" panose="02020603050405020304" pitchFamily="18" charset="0"/>
@@ -13100,12 +13100,12 @@
                         </a:spcAft>
                       </a:pPr>
                       <a:r>
-                        <a:rPr lang="en-US" sz="700">
+                        <a:rPr lang="en-US" sz="800">
                           <a:effectLst/>
                         </a:rPr>
                         <a:t>Approved</a:t>
                       </a:r>
-                      <a:endParaRPr lang="en-US" sz="700">
+                      <a:endParaRPr lang="en-US" sz="800">
                         <a:effectLst/>
                         <a:latin typeface="Times New Roman" panose="02020603050405020304" pitchFamily="18" charset="0"/>
                         <a:ea typeface="Times New Roman" panose="02020603050405020304" pitchFamily="18" charset="0"/>
@@ -13128,12 +13128,12 @@
                         </a:spcAft>
                       </a:pPr>
                       <a:r>
-                        <a:rPr lang="en-US" sz="700" dirty="0">
+                        <a:rPr lang="en-US" sz="800" dirty="0">
                           <a:effectLst/>
                         </a:rPr>
                         <a:t>Scrapped additional mode due to worries of exceeding development scope </a:t>
                       </a:r>
-                      <a:endParaRPr lang="en-US" sz="700" dirty="0">
+                      <a:endParaRPr lang="en-US" sz="800" dirty="0">
                         <a:effectLst/>
                         <a:latin typeface="Times New Roman" panose="02020603050405020304" pitchFamily="18" charset="0"/>
                         <a:ea typeface="Times New Roman" panose="02020603050405020304" pitchFamily="18" charset="0"/>
@@ -13145,6 +13145,293 @@
                 <a:extLst>
                   <a:ext uri="{0D108BD9-81ED-4DB2-BD59-A6C34878D82A}">
                     <a16:rowId xmlns:a16="http://schemas.microsoft.com/office/drawing/2014/main" val="2642142163"/>
+                  </a:ext>
+                </a:extLst>
+              </a:tr>
+              <a:tr h="451866">
+                <a:tc>
+                  <a:txBody>
+                    <a:bodyPr/>
+                    <a:lstStyle/>
+                    <a:p>
+                      <a:pPr marL="0" marR="0" algn="l" defTabSz="457200" rtl="0" eaLnBrk="1" latinLnBrk="0" hangingPunct="1">
+                        <a:spcBef>
+                          <a:spcPts val="0"/>
+                        </a:spcBef>
+                        <a:spcAft>
+                          <a:spcPts val="0"/>
+                        </a:spcAft>
+                      </a:pPr>
+                      <a:r>
+                        <a:rPr lang="en-US" sz="800" b="1" kern="1200" dirty="0">
+                          <a:solidFill>
+                            <a:schemeClr val="lt1"/>
+                          </a:solidFill>
+                          <a:effectLst/>
+                          <a:latin typeface="+mn-lt"/>
+                          <a:ea typeface="+mn-ea"/>
+                          <a:cs typeface="+mn-cs"/>
+                        </a:rPr>
+                        <a:t>7</a:t>
+                      </a:r>
+                    </a:p>
+                  </a:txBody>
+                  <a:tcPr marL="47921" marR="47921" marT="0" marB="0"/>
+                </a:tc>
+                <a:tc>
+                  <a:txBody>
+                    <a:bodyPr/>
+                    <a:lstStyle/>
+                    <a:p>
+                      <a:pPr marL="0" marR="0">
+                        <a:spcBef>
+                          <a:spcPts val="0"/>
+                        </a:spcBef>
+                        <a:spcAft>
+                          <a:spcPts val="0"/>
+                        </a:spcAft>
+                      </a:pPr>
+                      <a:r>
+                        <a:rPr lang="en-US" sz="800" kern="1200" dirty="0">
+                          <a:solidFill>
+                            <a:schemeClr val="dk1"/>
+                          </a:solidFill>
+                          <a:effectLst/>
+                          <a:latin typeface="+mn-lt"/>
+                          <a:ea typeface="+mn-ea"/>
+                          <a:cs typeface="+mn-cs"/>
+                        </a:rPr>
+                        <a:t>Design/Scope</a:t>
+                      </a:r>
+                    </a:p>
+                  </a:txBody>
+                  <a:tcPr marL="47921" marR="47921" marT="0" marB="0"/>
+                </a:tc>
+                <a:tc>
+                  <a:txBody>
+                    <a:bodyPr/>
+                    <a:lstStyle/>
+                    <a:p>
+                      <a:pPr marL="0" marR="0">
+                        <a:spcBef>
+                          <a:spcPts val="0"/>
+                        </a:spcBef>
+                        <a:spcAft>
+                          <a:spcPts val="0"/>
+                        </a:spcAft>
+                      </a:pPr>
+                      <a:r>
+                        <a:rPr lang="en-US" sz="800" kern="1200" dirty="0">
+                          <a:solidFill>
+                            <a:schemeClr val="dk1"/>
+                          </a:solidFill>
+                          <a:effectLst/>
+                          <a:latin typeface="+mn-lt"/>
+                          <a:ea typeface="+mn-ea"/>
+                          <a:cs typeface="+mn-cs"/>
+                        </a:rPr>
+                        <a:t>Scrapped the addition of an online “</a:t>
+                      </a:r>
+                      <a:r>
+                        <a:rPr lang="en-US" sz="800" kern="1200" dirty="0" err="1">
+                          <a:solidFill>
+                            <a:schemeClr val="dk1"/>
+                          </a:solidFill>
+                          <a:effectLst/>
+                          <a:latin typeface="+mn-lt"/>
+                          <a:ea typeface="+mn-ea"/>
+                          <a:cs typeface="+mn-cs"/>
+                        </a:rPr>
+                        <a:t>PvP</a:t>
+                      </a:r>
+                      <a:r>
+                        <a:rPr lang="en-US" sz="800" kern="1200" dirty="0">
+                          <a:solidFill>
+                            <a:schemeClr val="dk1"/>
+                          </a:solidFill>
+                          <a:effectLst/>
+                          <a:latin typeface="+mn-lt"/>
+                          <a:ea typeface="+mn-ea"/>
+                          <a:cs typeface="+mn-cs"/>
+                        </a:rPr>
+                        <a:t>” mode</a:t>
+                      </a:r>
+                    </a:p>
+                  </a:txBody>
+                  <a:tcPr marL="47921" marR="47921" marT="0" marB="0"/>
+                </a:tc>
+                <a:tc>
+                  <a:txBody>
+                    <a:bodyPr/>
+                    <a:lstStyle/>
+                    <a:p>
+                      <a:pPr marL="0" marR="0">
+                        <a:spcBef>
+                          <a:spcPts val="0"/>
+                        </a:spcBef>
+                        <a:spcAft>
+                          <a:spcPts val="0"/>
+                        </a:spcAft>
+                      </a:pPr>
+                      <a:r>
+                        <a:rPr lang="en-US" sz="800" kern="1200" dirty="0">
+                          <a:solidFill>
+                            <a:schemeClr val="dk1"/>
+                          </a:solidFill>
+                          <a:effectLst/>
+                          <a:latin typeface="+mn-lt"/>
+                          <a:ea typeface="+mn-ea"/>
+                          <a:cs typeface="+mn-cs"/>
+                        </a:rPr>
+                        <a:t>Alton S.</a:t>
+                      </a:r>
+                    </a:p>
+                  </a:txBody>
+                  <a:tcPr marL="47921" marR="47921" marT="0" marB="0"/>
+                </a:tc>
+                <a:tc>
+                  <a:txBody>
+                    <a:bodyPr/>
+                    <a:lstStyle/>
+                    <a:p>
+                      <a:pPr marL="0" marR="0">
+                        <a:spcBef>
+                          <a:spcPts val="0"/>
+                        </a:spcBef>
+                        <a:spcAft>
+                          <a:spcPts val="0"/>
+                        </a:spcAft>
+                      </a:pPr>
+                      <a:r>
+                        <a:rPr lang="en-US" sz="800" kern="1200" dirty="0">
+                          <a:solidFill>
+                            <a:schemeClr val="dk1"/>
+                          </a:solidFill>
+                          <a:effectLst/>
+                          <a:latin typeface="+mn-lt"/>
+                          <a:ea typeface="+mn-ea"/>
+                          <a:cs typeface="+mn-cs"/>
+                        </a:rPr>
+                        <a:t>7/31/21</a:t>
+                      </a:r>
+                    </a:p>
+                  </a:txBody>
+                  <a:tcPr marL="47921" marR="47921" marT="0" marB="0"/>
+                </a:tc>
+                <a:tc>
+                  <a:txBody>
+                    <a:bodyPr/>
+                    <a:lstStyle/>
+                    <a:p>
+                      <a:pPr marL="0" marR="0">
+                        <a:spcBef>
+                          <a:spcPts val="0"/>
+                        </a:spcBef>
+                        <a:spcAft>
+                          <a:spcPts val="0"/>
+                        </a:spcAft>
+                      </a:pPr>
+                      <a:r>
+                        <a:rPr lang="en-US" sz="800" kern="1200" dirty="0">
+                          <a:solidFill>
+                            <a:schemeClr val="dk1"/>
+                          </a:solidFill>
+                          <a:effectLst/>
+                          <a:latin typeface="+mn-lt"/>
+                          <a:ea typeface="+mn-ea"/>
+                          <a:cs typeface="+mn-cs"/>
+                        </a:rPr>
+                        <a:t>7/31/21</a:t>
+                      </a:r>
+                    </a:p>
+                  </a:txBody>
+                  <a:tcPr marL="47921" marR="47921" marT="0" marB="0"/>
+                </a:tc>
+                <a:tc>
+                  <a:txBody>
+                    <a:bodyPr/>
+                    <a:lstStyle/>
+                    <a:p>
+                      <a:pPr marL="0" marR="0">
+                        <a:spcBef>
+                          <a:spcPts val="0"/>
+                        </a:spcBef>
+                        <a:spcAft>
+                          <a:spcPts val="0"/>
+                        </a:spcAft>
+                      </a:pPr>
+                      <a:r>
+                        <a:rPr lang="en-US" sz="800" kern="1200" dirty="0">
+                          <a:solidFill>
+                            <a:schemeClr val="dk1"/>
+                          </a:solidFill>
+                          <a:effectLst/>
+                          <a:latin typeface="+mn-lt"/>
+                          <a:ea typeface="+mn-ea"/>
+                          <a:cs typeface="+mn-cs"/>
+                        </a:rPr>
+                        <a:t>Approved</a:t>
+                      </a:r>
+                    </a:p>
+                  </a:txBody>
+                  <a:tcPr marL="47921" marR="47921" marT="0" marB="0"/>
+                </a:tc>
+                <a:tc>
+                  <a:txBody>
+                    <a:bodyPr/>
+                    <a:lstStyle/>
+                    <a:p>
+                      <a:pPr marL="0" marR="0">
+                        <a:spcBef>
+                          <a:spcPts val="0"/>
+                        </a:spcBef>
+                        <a:spcAft>
+                          <a:spcPts val="0"/>
+                        </a:spcAft>
+                      </a:pPr>
+                      <a:r>
+                        <a:rPr lang="en-US" sz="800" kern="1200" dirty="0">
+                          <a:solidFill>
+                            <a:schemeClr val="dk1"/>
+                          </a:solidFill>
+                          <a:effectLst/>
+                          <a:latin typeface="+mn-lt"/>
+                          <a:ea typeface="+mn-ea"/>
+                          <a:cs typeface="+mn-cs"/>
+                        </a:rPr>
+                        <a:t>Unable to get online “</a:t>
+                      </a:r>
+                      <a:r>
+                        <a:rPr lang="en-US" sz="800" kern="1200" dirty="0" err="1">
+                          <a:solidFill>
+                            <a:schemeClr val="dk1"/>
+                          </a:solidFill>
+                          <a:effectLst/>
+                          <a:latin typeface="+mn-lt"/>
+                          <a:ea typeface="+mn-ea"/>
+                          <a:cs typeface="+mn-cs"/>
+                        </a:rPr>
+                        <a:t>PvP</a:t>
+                      </a:r>
+                      <a:r>
+                        <a:rPr lang="en-US" sz="800" kern="1200" dirty="0">
+                          <a:solidFill>
+                            <a:schemeClr val="dk1"/>
+                          </a:solidFill>
+                          <a:effectLst/>
+                          <a:latin typeface="+mn-lt"/>
+                          <a:ea typeface="+mn-ea"/>
+                          <a:cs typeface="+mn-cs"/>
+                        </a:rPr>
+                        <a:t>” system functional within deadline</a:t>
+                      </a:r>
+                    </a:p>
+                  </a:txBody>
+                  <a:tcPr marL="47921" marR="47921" marT="0" marB="0"/>
+                </a:tc>
+                <a:extLst>
+                  <a:ext uri="{0D108BD9-81ED-4DB2-BD59-A6C34878D82A}">
+                    <a16:rowId xmlns:a16="http://schemas.microsoft.com/office/drawing/2014/main" val="513148530"/>
                   </a:ext>
                 </a:extLst>
               </a:tr>

--- a/Phase4docs/Phase 4 Presentation.pptx
+++ b/Phase4docs/Phase 4 Presentation.pptx
@@ -9,11 +9,12 @@
     <p:sldId id="257" r:id="rId3"/>
     <p:sldId id="258" r:id="rId4"/>
     <p:sldId id="265" r:id="rId5"/>
-    <p:sldId id="259" r:id="rId6"/>
-    <p:sldId id="260" r:id="rId7"/>
-    <p:sldId id="261" r:id="rId8"/>
-    <p:sldId id="262" r:id="rId9"/>
-    <p:sldId id="263" r:id="rId10"/>
+    <p:sldId id="266" r:id="rId6"/>
+    <p:sldId id="259" r:id="rId7"/>
+    <p:sldId id="260" r:id="rId8"/>
+    <p:sldId id="261" r:id="rId9"/>
+    <p:sldId id="262" r:id="rId10"/>
+    <p:sldId id="263" r:id="rId11"/>
   </p:sldIdLst>
   <p:sldSz cx="12192000" cy="6858000"/>
   <p:notesSz cx="6858000" cy="9144000"/>
@@ -306,7 +307,7 @@
           <a:p>
             <a:fld id="{F2524E08-6193-46DE-B8EB-BF29E0A4D146}" type="datetimeFigureOut">
               <a:rPr lang="en-US" smtClean="0"/>
-              <a:t>7/31/21</a:t>
+              <a:t>7/31/2021</a:t>
             </a:fld>
             <a:endParaRPr lang="en-US"/>
           </a:p>
@@ -581,7 +582,7 @@
           <a:p>
             <a:fld id="{F2524E08-6193-46DE-B8EB-BF29E0A4D146}" type="datetimeFigureOut">
               <a:rPr lang="en-US" smtClean="0"/>
-              <a:t>7/31/21</a:t>
+              <a:t>7/31/2021</a:t>
             </a:fld>
             <a:endParaRPr lang="en-US"/>
           </a:p>
@@ -775,7 +776,7 @@
           <a:p>
             <a:fld id="{F2524E08-6193-46DE-B8EB-BF29E0A4D146}" type="datetimeFigureOut">
               <a:rPr lang="en-US" smtClean="0"/>
-              <a:t>7/31/21</a:t>
+              <a:t>7/31/2021</a:t>
             </a:fld>
             <a:endParaRPr lang="en-US"/>
           </a:p>
@@ -1048,7 +1049,7 @@
           <a:p>
             <a:fld id="{F2524E08-6193-46DE-B8EB-BF29E0A4D146}" type="datetimeFigureOut">
               <a:rPr lang="en-US" smtClean="0"/>
-              <a:t>7/31/21</a:t>
+              <a:t>7/31/2021</a:t>
             </a:fld>
             <a:endParaRPr lang="en-US"/>
           </a:p>
@@ -1389,7 +1390,7 @@
           <a:p>
             <a:fld id="{F2524E08-6193-46DE-B8EB-BF29E0A4D146}" type="datetimeFigureOut">
               <a:rPr lang="en-US" smtClean="0"/>
-              <a:t>7/31/21</a:t>
+              <a:t>7/31/2021</a:t>
             </a:fld>
             <a:endParaRPr lang="en-US"/>
           </a:p>
@@ -2012,7 +2013,7 @@
           <a:p>
             <a:fld id="{F2524E08-6193-46DE-B8EB-BF29E0A4D146}" type="datetimeFigureOut">
               <a:rPr lang="en-US" smtClean="0"/>
-              <a:t>7/31/21</a:t>
+              <a:t>7/31/2021</a:t>
             </a:fld>
             <a:endParaRPr lang="en-US"/>
           </a:p>
@@ -2872,7 +2873,7 @@
           <a:p>
             <a:fld id="{F2524E08-6193-46DE-B8EB-BF29E0A4D146}" type="datetimeFigureOut">
               <a:rPr lang="en-US" smtClean="0"/>
-              <a:t>7/31/21</a:t>
+              <a:t>7/31/2021</a:t>
             </a:fld>
             <a:endParaRPr lang="en-US"/>
           </a:p>
@@ -3042,7 +3043,7 @@
           <a:p>
             <a:fld id="{F2524E08-6193-46DE-B8EB-BF29E0A4D146}" type="datetimeFigureOut">
               <a:rPr lang="en-US" smtClean="0"/>
-              <a:t>7/31/21</a:t>
+              <a:t>7/31/2021</a:t>
             </a:fld>
             <a:endParaRPr lang="en-US"/>
           </a:p>
@@ -3222,7 +3223,7 @@
           <a:p>
             <a:fld id="{F2524E08-6193-46DE-B8EB-BF29E0A4D146}" type="datetimeFigureOut">
               <a:rPr lang="en-US" smtClean="0"/>
-              <a:t>7/31/21</a:t>
+              <a:t>7/31/2021</a:t>
             </a:fld>
             <a:endParaRPr lang="en-US"/>
           </a:p>
@@ -3392,7 +3393,7 @@
           <a:p>
             <a:fld id="{F2524E08-6193-46DE-B8EB-BF29E0A4D146}" type="datetimeFigureOut">
               <a:rPr lang="en-US" smtClean="0"/>
-              <a:t>7/31/21</a:t>
+              <a:t>7/31/2021</a:t>
             </a:fld>
             <a:endParaRPr lang="en-US"/>
           </a:p>
@@ -3639,7 +3640,7 @@
           <a:p>
             <a:fld id="{F2524E08-6193-46DE-B8EB-BF29E0A4D146}" type="datetimeFigureOut">
               <a:rPr lang="en-US" smtClean="0"/>
-              <a:t>7/31/21</a:t>
+              <a:t>7/31/2021</a:t>
             </a:fld>
             <a:endParaRPr lang="en-US"/>
           </a:p>
@@ -3931,7 +3932,7 @@
           <a:p>
             <a:fld id="{F2524E08-6193-46DE-B8EB-BF29E0A4D146}" type="datetimeFigureOut">
               <a:rPr lang="en-US" smtClean="0"/>
-              <a:t>7/31/21</a:t>
+              <a:t>7/31/2021</a:t>
             </a:fld>
             <a:endParaRPr lang="en-US"/>
           </a:p>
@@ -4375,7 +4376,7 @@
           <a:p>
             <a:fld id="{F2524E08-6193-46DE-B8EB-BF29E0A4D146}" type="datetimeFigureOut">
               <a:rPr lang="en-US" smtClean="0"/>
-              <a:t>7/31/21</a:t>
+              <a:t>7/31/2021</a:t>
             </a:fld>
             <a:endParaRPr lang="en-US"/>
           </a:p>
@@ -4493,7 +4494,7 @@
           <a:p>
             <a:fld id="{F2524E08-6193-46DE-B8EB-BF29E0A4D146}" type="datetimeFigureOut">
               <a:rPr lang="en-US" smtClean="0"/>
-              <a:t>7/31/21</a:t>
+              <a:t>7/31/2021</a:t>
             </a:fld>
             <a:endParaRPr lang="en-US"/>
           </a:p>
@@ -4588,7 +4589,7 @@
           <a:p>
             <a:fld id="{F2524E08-6193-46DE-B8EB-BF29E0A4D146}" type="datetimeFigureOut">
               <a:rPr lang="en-US" smtClean="0"/>
-              <a:t>7/31/21</a:t>
+              <a:t>7/31/2021</a:t>
             </a:fld>
             <a:endParaRPr lang="en-US"/>
           </a:p>
@@ -4867,7 +4868,7 @@
           <a:p>
             <a:fld id="{F2524E08-6193-46DE-B8EB-BF29E0A4D146}" type="datetimeFigureOut">
               <a:rPr lang="en-US" smtClean="0"/>
-              <a:t>7/31/21</a:t>
+              <a:t>7/31/2021</a:t>
             </a:fld>
             <a:endParaRPr lang="en-US"/>
           </a:p>
@@ -5142,7 +5143,7 @@
           <a:p>
             <a:fld id="{F2524E08-6193-46DE-B8EB-BF29E0A4D146}" type="datetimeFigureOut">
               <a:rPr lang="en-US" smtClean="0"/>
-              <a:t>7/31/21</a:t>
+              <a:t>7/31/2021</a:t>
             </a:fld>
             <a:endParaRPr lang="en-US"/>
           </a:p>
@@ -5571,7 +5572,7 @@
           <a:p>
             <a:fld id="{F2524E08-6193-46DE-B8EB-BF29E0A4D146}" type="datetimeFigureOut">
               <a:rPr lang="en-US" smtClean="0"/>
-              <a:t>7/31/21</a:t>
+              <a:t>7/31/2021</a:t>
             </a:fld>
             <a:endParaRPr lang="en-US"/>
           </a:p>
@@ -6168,6 +6169,99 @@
 </p:sld>
 </file>
 
+<file path=ppt/slides/slide10.xml><?xml version="1.0" encoding="utf-8"?>
+<p:sld xmlns:a="http://schemas.openxmlformats.org/drawingml/2006/main" xmlns:r="http://schemas.openxmlformats.org/officeDocument/2006/relationships" xmlns:p="http://schemas.openxmlformats.org/presentationml/2006/main">
+  <p:cSld>
+    <p:spTree>
+      <p:nvGrpSpPr>
+        <p:cNvPr id="1" name=""/>
+        <p:cNvGrpSpPr/>
+        <p:nvPr/>
+      </p:nvGrpSpPr>
+      <p:grpSpPr>
+        <a:xfrm>
+          <a:off x="0" y="0"/>
+          <a:ext cx="0" cy="0"/>
+          <a:chOff x="0" y="0"/>
+          <a:chExt cx="0" cy="0"/>
+        </a:xfrm>
+      </p:grpSpPr>
+      <p:sp>
+        <p:nvSpPr>
+          <p:cNvPr id="2" name="Title 1">
+            <a:extLst>
+              <a:ext uri="{FF2B5EF4-FFF2-40B4-BE49-F238E27FC236}">
+                <a16:creationId xmlns:a16="http://schemas.microsoft.com/office/drawing/2014/main" id="{BDE32680-759B-4E74-B91D-902C3109F5DF}"/>
+              </a:ext>
+            </a:extLst>
+          </p:cNvPr>
+          <p:cNvSpPr>
+            <a:spLocks noGrp="1"/>
+          </p:cNvSpPr>
+          <p:nvPr>
+            <p:ph type="title"/>
+          </p:nvPr>
+        </p:nvSpPr>
+        <p:spPr/>
+        <p:txBody>
+          <a:bodyPr/>
+          <a:lstStyle/>
+          <a:p>
+            <a:r>
+              <a:rPr lang="en-US" dirty="0"/>
+              <a:t>Combat Dataflow Chart</a:t>
+            </a:r>
+          </a:p>
+        </p:txBody>
+      </p:sp>
+      <p:pic>
+        <p:nvPicPr>
+          <p:cNvPr id="5" name="Content Placeholder 4" descr="Diagram&#10;&#10;Description automatically generated">
+            <a:extLst>
+              <a:ext uri="{FF2B5EF4-FFF2-40B4-BE49-F238E27FC236}">
+                <a16:creationId xmlns:a16="http://schemas.microsoft.com/office/drawing/2014/main" id="{9A72854E-F66F-4908-8D16-95D5A144279B}"/>
+              </a:ext>
+            </a:extLst>
+          </p:cNvPr>
+          <p:cNvPicPr>
+            <a:picLocks noGrp="1" noChangeAspect="1"/>
+          </p:cNvPicPr>
+          <p:nvPr>
+            <p:ph idx="1"/>
+          </p:nvPr>
+        </p:nvPicPr>
+        <p:blipFill>
+          <a:blip r:embed="rId2">
+            <a:extLst>
+              <a:ext uri="{28A0092B-C50C-407E-A947-70E740481C1C}">
+                <a14:useLocalDpi xmlns:a14="http://schemas.microsoft.com/office/drawing/2010/main" val="0"/>
+              </a:ext>
+            </a:extLst>
+          </a:blip>
+          <a:stretch>
+            <a:fillRect/>
+          </a:stretch>
+        </p:blipFill>
+        <p:spPr>
+          <a:xfrm>
+            <a:off x="1855304" y="884639"/>
+            <a:ext cx="6520069" cy="5721694"/>
+          </a:xfrm>
+        </p:spPr>
+      </p:pic>
+    </p:spTree>
+    <p:extLst>
+      <p:ext uri="{BB962C8B-B14F-4D97-AF65-F5344CB8AC3E}">
+        <p14:creationId xmlns:p14="http://schemas.microsoft.com/office/powerpoint/2010/main" val="322018079"/>
+      </p:ext>
+    </p:extLst>
+  </p:cSld>
+  <p:clrMapOvr>
+    <a:masterClrMapping/>
+  </p:clrMapOvr>
+</p:sld>
+</file>
+
 <file path=ppt/slides/slide2.xml><?xml version="1.0" encoding="utf-8"?>
 <p:sld xmlns:a="http://schemas.openxmlformats.org/drawingml/2006/main" xmlns:r="http://schemas.openxmlformats.org/officeDocument/2006/relationships" xmlns:p="http://schemas.openxmlformats.org/presentationml/2006/main">
   <p:cSld>
@@ -7048,6 +7142,128 @@
           <p:cNvPr id="2" name="Title 1">
             <a:extLst>
               <a:ext uri="{FF2B5EF4-FFF2-40B4-BE49-F238E27FC236}">
+                <a16:creationId xmlns:a16="http://schemas.microsoft.com/office/drawing/2014/main" id="{4AE8CEFD-8E0D-47A2-B189-313EA0B8FC91}"/>
+              </a:ext>
+            </a:extLst>
+          </p:cNvPr>
+          <p:cNvSpPr>
+            <a:spLocks noGrp="1"/>
+          </p:cNvSpPr>
+          <p:nvPr>
+            <p:ph type="title"/>
+          </p:nvPr>
+        </p:nvSpPr>
+        <p:spPr/>
+        <p:txBody>
+          <a:bodyPr/>
+          <a:lstStyle/>
+          <a:p>
+            <a:r>
+              <a:rPr lang="en-US" dirty="0"/>
+              <a:t>Combat AI</a:t>
+            </a:r>
+          </a:p>
+        </p:txBody>
+      </p:sp>
+      <p:sp>
+        <p:nvSpPr>
+          <p:cNvPr id="3" name="Content Placeholder 2">
+            <a:extLst>
+              <a:ext uri="{FF2B5EF4-FFF2-40B4-BE49-F238E27FC236}">
+                <a16:creationId xmlns:a16="http://schemas.microsoft.com/office/drawing/2014/main" id="{16DB599F-AE44-4386-801D-4BC48E6AC844}"/>
+              </a:ext>
+            </a:extLst>
+          </p:cNvPr>
+          <p:cNvSpPr>
+            <a:spLocks noGrp="1"/>
+          </p:cNvSpPr>
+          <p:nvPr>
+            <p:ph idx="1"/>
+          </p:nvPr>
+        </p:nvSpPr>
+        <p:spPr/>
+        <p:txBody>
+          <a:bodyPr/>
+          <a:lstStyle/>
+          <a:p>
+            <a:r>
+              <a:rPr lang="en-US" dirty="0"/>
+              <a:t>Combat AI is handled by a function in both the </a:t>
+            </a:r>
+            <a:r>
+              <a:rPr lang="en-US" dirty="0" err="1"/>
+              <a:t>PlayerCharacter</a:t>
+            </a:r>
+            <a:r>
+              <a:rPr lang="en-US" dirty="0"/>
+              <a:t> and </a:t>
+            </a:r>
+            <a:r>
+              <a:rPr lang="en-US" dirty="0" err="1"/>
+              <a:t>EnemyCharacter</a:t>
+            </a:r>
+            <a:r>
+              <a:rPr lang="en-US" dirty="0"/>
+              <a:t> classes called </a:t>
+            </a:r>
+            <a:r>
+              <a:rPr lang="en-US" dirty="0" err="1"/>
+              <a:t>TakeTurn</a:t>
+            </a:r>
+            <a:r>
+              <a:rPr lang="en-US" dirty="0"/>
+              <a:t>()</a:t>
+            </a:r>
+          </a:p>
+          <a:p>
+            <a:r>
+              <a:rPr lang="en-US" dirty="0"/>
+              <a:t>Every round the function checks for the mana level of the combatant and uses an ability based on how much mana the combatant has – for instance, if the player has 10 mana it will use their Ultimate ability, if the player has 6 then it will use the fire ability, and if less than 6 it will just attack</a:t>
+            </a:r>
+          </a:p>
+          <a:p>
+            <a:r>
+              <a:rPr lang="en-US" dirty="0"/>
+              <a:t>The functions are currently barebones but can be expanded easily based on future additions to the game</a:t>
+            </a:r>
+          </a:p>
+        </p:txBody>
+      </p:sp>
+    </p:spTree>
+    <p:extLst>
+      <p:ext uri="{BB962C8B-B14F-4D97-AF65-F5344CB8AC3E}">
+        <p14:creationId xmlns:p14="http://schemas.microsoft.com/office/powerpoint/2010/main" val="2921591624"/>
+      </p:ext>
+    </p:extLst>
+  </p:cSld>
+  <p:clrMapOvr>
+    <a:masterClrMapping/>
+  </p:clrMapOvr>
+</p:sld>
+</file>
+
+<file path=ppt/slides/slide6.xml><?xml version="1.0" encoding="utf-8"?>
+<p:sld xmlns:a="http://schemas.openxmlformats.org/drawingml/2006/main" xmlns:r="http://schemas.openxmlformats.org/officeDocument/2006/relationships" xmlns:p="http://schemas.openxmlformats.org/presentationml/2006/main">
+  <p:cSld>
+    <p:spTree>
+      <p:nvGrpSpPr>
+        <p:cNvPr id="1" name=""/>
+        <p:cNvGrpSpPr/>
+        <p:nvPr/>
+      </p:nvGrpSpPr>
+      <p:grpSpPr>
+        <a:xfrm>
+          <a:off x="0" y="0"/>
+          <a:ext cx="0" cy="0"/>
+          <a:chOff x="0" y="0"/>
+          <a:chExt cx="0" cy="0"/>
+        </a:xfrm>
+      </p:grpSpPr>
+      <p:sp>
+        <p:nvSpPr>
+          <p:cNvPr id="2" name="Title 1">
+            <a:extLst>
+              <a:ext uri="{FF2B5EF4-FFF2-40B4-BE49-F238E27FC236}">
                 <a16:creationId xmlns:a16="http://schemas.microsoft.com/office/drawing/2014/main" id="{18B5EDC7-703B-4B65-B577-AC9072BEC67C}"/>
               </a:ext>
             </a:extLst>
@@ -10146,7 +10362,7 @@
 </p:sld>
 </file>
 
-<file path=ppt/slides/slide6.xml><?xml version="1.0" encoding="utf-8"?>
+<file path=ppt/slides/slide7.xml><?xml version="1.0" encoding="utf-8"?>
 <p:sld xmlns:a="http://schemas.openxmlformats.org/drawingml/2006/main" xmlns:r="http://schemas.openxmlformats.org/officeDocument/2006/relationships" xmlns:p="http://schemas.openxmlformats.org/presentationml/2006/main">
   <p:cSld>
     <p:spTree>
@@ -12147,7 +12363,7 @@
 </p:sld>
 </file>
 
-<file path=ppt/slides/slide7.xml><?xml version="1.0" encoding="utf-8"?>
+<file path=ppt/slides/slide8.xml><?xml version="1.0" encoding="utf-8"?>
 <p:sld xmlns:a="http://schemas.openxmlformats.org/drawingml/2006/main" xmlns:r="http://schemas.openxmlformats.org/officeDocument/2006/relationships" xmlns:p="http://schemas.openxmlformats.org/presentationml/2006/main">
   <p:cSld>
     <p:spTree>
@@ -12240,7 +12456,7 @@
 </p:sld>
 </file>
 
-<file path=ppt/slides/slide8.xml><?xml version="1.0" encoding="utf-8"?>
+<file path=ppt/slides/slide9.xml><?xml version="1.0" encoding="utf-8"?>
 <p:sld xmlns:a="http://schemas.openxmlformats.org/drawingml/2006/main" xmlns:r="http://schemas.openxmlformats.org/officeDocument/2006/relationships" xmlns:p="http://schemas.openxmlformats.org/presentationml/2006/main">
   <p:cSld>
     <p:spTree>
@@ -12324,99 +12540,6 @@
     <p:extLst>
       <p:ext uri="{BB962C8B-B14F-4D97-AF65-F5344CB8AC3E}">
         <p14:creationId xmlns:p14="http://schemas.microsoft.com/office/powerpoint/2010/main" val="3198247639"/>
-      </p:ext>
-    </p:extLst>
-  </p:cSld>
-  <p:clrMapOvr>
-    <a:masterClrMapping/>
-  </p:clrMapOvr>
-</p:sld>
-</file>
-
-<file path=ppt/slides/slide9.xml><?xml version="1.0" encoding="utf-8"?>
-<p:sld xmlns:a="http://schemas.openxmlformats.org/drawingml/2006/main" xmlns:r="http://schemas.openxmlformats.org/officeDocument/2006/relationships" xmlns:p="http://schemas.openxmlformats.org/presentationml/2006/main">
-  <p:cSld>
-    <p:spTree>
-      <p:nvGrpSpPr>
-        <p:cNvPr id="1" name=""/>
-        <p:cNvGrpSpPr/>
-        <p:nvPr/>
-      </p:nvGrpSpPr>
-      <p:grpSpPr>
-        <a:xfrm>
-          <a:off x="0" y="0"/>
-          <a:ext cx="0" cy="0"/>
-          <a:chOff x="0" y="0"/>
-          <a:chExt cx="0" cy="0"/>
-        </a:xfrm>
-      </p:grpSpPr>
-      <p:sp>
-        <p:nvSpPr>
-          <p:cNvPr id="2" name="Title 1">
-            <a:extLst>
-              <a:ext uri="{FF2B5EF4-FFF2-40B4-BE49-F238E27FC236}">
-                <a16:creationId xmlns:a16="http://schemas.microsoft.com/office/drawing/2014/main" id="{BDE32680-759B-4E74-B91D-902C3109F5DF}"/>
-              </a:ext>
-            </a:extLst>
-          </p:cNvPr>
-          <p:cNvSpPr>
-            <a:spLocks noGrp="1"/>
-          </p:cNvSpPr>
-          <p:nvPr>
-            <p:ph type="title"/>
-          </p:nvPr>
-        </p:nvSpPr>
-        <p:spPr/>
-        <p:txBody>
-          <a:bodyPr/>
-          <a:lstStyle/>
-          <a:p>
-            <a:r>
-              <a:rPr lang="en-US" dirty="0"/>
-              <a:t>Combat Dataflow Chart</a:t>
-            </a:r>
-          </a:p>
-        </p:txBody>
-      </p:sp>
-      <p:pic>
-        <p:nvPicPr>
-          <p:cNvPr id="5" name="Content Placeholder 4" descr="Diagram&#10;&#10;Description automatically generated">
-            <a:extLst>
-              <a:ext uri="{FF2B5EF4-FFF2-40B4-BE49-F238E27FC236}">
-                <a16:creationId xmlns:a16="http://schemas.microsoft.com/office/drawing/2014/main" id="{9A72854E-F66F-4908-8D16-95D5A144279B}"/>
-              </a:ext>
-            </a:extLst>
-          </p:cNvPr>
-          <p:cNvPicPr>
-            <a:picLocks noGrp="1" noChangeAspect="1"/>
-          </p:cNvPicPr>
-          <p:nvPr>
-            <p:ph idx="1"/>
-          </p:nvPr>
-        </p:nvPicPr>
-        <p:blipFill>
-          <a:blip r:embed="rId2">
-            <a:extLst>
-              <a:ext uri="{28A0092B-C50C-407E-A947-70E740481C1C}">
-                <a14:useLocalDpi xmlns:a14="http://schemas.microsoft.com/office/drawing/2010/main" val="0"/>
-              </a:ext>
-            </a:extLst>
-          </a:blip>
-          <a:stretch>
-            <a:fillRect/>
-          </a:stretch>
-        </p:blipFill>
-        <p:spPr>
-          <a:xfrm>
-            <a:off x="1855304" y="884639"/>
-            <a:ext cx="6520069" cy="5721694"/>
-          </a:xfrm>
-        </p:spPr>
-      </p:pic>
-    </p:spTree>
-    <p:extLst>
-      <p:ext uri="{BB962C8B-B14F-4D97-AF65-F5344CB8AC3E}">
-        <p14:creationId xmlns:p14="http://schemas.microsoft.com/office/powerpoint/2010/main" val="322018079"/>
       </p:ext>
     </p:extLst>
   </p:cSld>
